--- a/音频小组作业展示.pptx
+++ b/音频小组作业展示.pptx
@@ -5,10 +5,10 @@
     <p:sldMasterId id="2147483648" r:id="rId2"/>
   </p:sldMasterIdLst>
   <p:notesMasterIdLst>
-    <p:notesMasterId r:id="rId10"/>
+    <p:notesMasterId r:id="rId11"/>
   </p:notesMasterIdLst>
   <p:handoutMasterIdLst>
-    <p:handoutMasterId r:id="rId11"/>
+    <p:handoutMasterId r:id="rId12"/>
   </p:handoutMasterIdLst>
   <p:sldIdLst>
     <p:sldId id="257" r:id="rId3"/>
@@ -17,7 +17,8 @@
     <p:sldId id="280" r:id="rId6"/>
     <p:sldId id="281" r:id="rId7"/>
     <p:sldId id="282" r:id="rId8"/>
-    <p:sldId id="283" r:id="rId9"/>
+    <p:sldId id="284" r:id="rId9"/>
+    <p:sldId id="283" r:id="rId10"/>
   </p:sldIdLst>
   <p:sldSz cx="12188825" cy="6858000"/>
   <p:notesSz cx="6858000" cy="9144000"/>
@@ -281,7 +282,7 @@
           <a:p>
             <a:fld id="{BA5A207F-0F91-42F2-96D0-049C6003623B}" type="datetimeFigureOut">
               <a:rPr lang="en-US" altLang="zh-CN"/>
-              <a:t>11/2/2016</a:t>
+              <a:t>11/3/2016</a:t>
             </a:fld>
             <a:endParaRPr lang="zh-CN"/>
           </a:p>
@@ -445,7 +446,7 @@
           </a:lstStyle>
           <a:p>
             <a:fld id="{48CC13F5-F2B1-464B-BE8F-27ABFBD2FBDE}" type="datetimeFigureOut">
-              <a:t>2016/11/2</a:t>
+              <a:t>2016/11/3</a:t>
             </a:fld>
             <a:endParaRPr lang="zh-CN"/>
           </a:p>
@@ -755,7 +756,463 @@
           <a:bodyPr/>
           <a:lstStyle/>
           <a:p>
-            <a:endParaRPr lang="zh-CN" altLang="en-US"/>
+            <a:r>
+              <a:rPr lang="en-US" altLang="zh-CN" dirty="0" smtClean="0"/>
+              <a:t>1</a:t>
+            </a:r>
+            <a:r>
+              <a:rPr lang="zh-CN" altLang="en-US" dirty="0" smtClean="0"/>
+              <a:t>、音频分段 我们的音频分段算法采用的是基于静音段的分段算法。 首先，把音频中的每一秒平分成 </a:t>
+            </a:r>
+            <a:r>
+              <a:rPr lang="en-US" altLang="zh-CN" dirty="0" smtClean="0"/>
+              <a:t>100 </a:t>
+            </a:r>
+            <a:r>
+              <a:rPr lang="zh-CN" altLang="en-US" dirty="0" smtClean="0"/>
+              <a:t>帧，对于音频中的每一帧，我们定义第 </a:t>
+            </a:r>
+            <a:r>
+              <a:rPr lang="en-US" altLang="zh-CN" dirty="0" err="1" smtClean="0"/>
+              <a:t>i</a:t>
+            </a:r>
+            <a:r>
+              <a:rPr lang="en-US" altLang="zh-CN" dirty="0" smtClean="0"/>
+              <a:t> </a:t>
+            </a:r>
+            <a:r>
+              <a:rPr lang="zh-CN" altLang="en-US" dirty="0" smtClean="0"/>
+              <a:t>帧的能量 为𝐸</a:t>
+            </a:r>
+            <a:r>
+              <a:rPr lang="en-US" altLang="zh-CN" dirty="0" smtClean="0"/>
+              <a:t>(</a:t>
+            </a:r>
+            <a:r>
+              <a:rPr lang="zh-CN" altLang="en-US" dirty="0" smtClean="0"/>
+              <a:t>𝑖</a:t>
+            </a:r>
+            <a:r>
+              <a:rPr lang="en-US" altLang="zh-CN" dirty="0" smtClean="0"/>
+              <a:t>) = max⁡ (</a:t>
+            </a:r>
+            <a:r>
+              <a:rPr lang="zh-CN" altLang="en-US" dirty="0" smtClean="0"/>
+              <a:t>𝑠𝑎𝑚𝑝𝑙𝑒</a:t>
+            </a:r>
+            <a:r>
+              <a:rPr lang="en-US" altLang="zh-CN" dirty="0" smtClean="0"/>
+              <a:t>2(</a:t>
+            </a:r>
+            <a:r>
+              <a:rPr lang="zh-CN" altLang="en-US" dirty="0" smtClean="0"/>
+              <a:t>𝑘</a:t>
+            </a:r>
+            <a:r>
+              <a:rPr lang="en-US" altLang="zh-CN" dirty="0" smtClean="0"/>
+              <a:t>),</a:t>
+            </a:r>
+            <a:r>
+              <a:rPr lang="zh-CN" altLang="en-US" dirty="0" smtClean="0"/>
+              <a:t>𝑘⁡ ∈ 𝑓𝑟𝑎𝑚𝑒</a:t>
+            </a:r>
+            <a:r>
+              <a:rPr lang="en-US" altLang="zh-CN" dirty="0" smtClean="0"/>
+              <a:t>(</a:t>
+            </a:r>
+            <a:r>
+              <a:rPr lang="zh-CN" altLang="en-US" dirty="0" smtClean="0"/>
+              <a:t>𝑖</a:t>
+            </a:r>
+            <a:r>
+              <a:rPr lang="en-US" altLang="zh-CN" dirty="0" smtClean="0"/>
+              <a:t>))</a:t>
+            </a:r>
+            <a:r>
+              <a:rPr lang="zh-CN" altLang="en-US" dirty="0" smtClean="0"/>
+              <a:t>，并把满足𝐸</a:t>
+            </a:r>
+            <a:r>
+              <a:rPr lang="en-US" altLang="zh-CN" dirty="0" smtClean="0"/>
+              <a:t>(</a:t>
+            </a:r>
+            <a:r>
+              <a:rPr lang="zh-CN" altLang="en-US" dirty="0" smtClean="0"/>
+              <a:t>𝑖</a:t>
+            </a:r>
+            <a:r>
+              <a:rPr lang="en-US" altLang="zh-CN" dirty="0" smtClean="0"/>
+              <a:t>) &lt; </a:t>
+            </a:r>
+            <a:r>
+              <a:rPr lang="zh-CN" altLang="en-US" dirty="0" smtClean="0"/>
+              <a:t>𝜆的帧定义为静音帧。 然后用贪心的算法查找静音段。定义两个参数 </a:t>
+            </a:r>
+            <a:r>
+              <a:rPr lang="en-US" altLang="zh-CN" dirty="0" err="1" smtClean="0"/>
+              <a:t>minD</a:t>
+            </a:r>
+            <a:r>
+              <a:rPr lang="en-US" altLang="zh-CN" dirty="0" smtClean="0"/>
+              <a:t> </a:t>
+            </a:r>
+            <a:r>
+              <a:rPr lang="zh-CN" altLang="en-US" dirty="0" smtClean="0"/>
+              <a:t>和 </a:t>
+            </a:r>
+            <a:r>
+              <a:rPr lang="en-US" altLang="zh-CN" dirty="0" err="1" smtClean="0"/>
+              <a:t>maxI</a:t>
+            </a:r>
+            <a:r>
+              <a:rPr lang="zh-CN" altLang="en-US" dirty="0" smtClean="0"/>
+              <a:t>，其中 </a:t>
+            </a:r>
+            <a:r>
+              <a:rPr lang="en-US" altLang="zh-CN" dirty="0" err="1" smtClean="0"/>
+              <a:t>minD</a:t>
+            </a:r>
+            <a:r>
+              <a:rPr lang="en-US" altLang="zh-CN" dirty="0" smtClean="0"/>
+              <a:t> </a:t>
+            </a:r>
+            <a:r>
+              <a:rPr lang="zh-CN" altLang="en-US" dirty="0" smtClean="0"/>
+              <a:t>表示一段静音 段要求的最短长度，</a:t>
+            </a:r>
+            <a:r>
+              <a:rPr lang="en-US" altLang="zh-CN" dirty="0" err="1" smtClean="0"/>
+              <a:t>maxI</a:t>
+            </a:r>
+            <a:r>
+              <a:rPr lang="en-US" altLang="zh-CN" dirty="0" smtClean="0"/>
+              <a:t> </a:t>
+            </a:r>
+            <a:r>
+              <a:rPr lang="zh-CN" altLang="en-US" dirty="0" smtClean="0"/>
+              <a:t>表示一段静音段中可以允许的非静音帧的最大长度。贪心算法如 下： </a:t>
+            </a:r>
+            <a:r>
+              <a:rPr lang="en-US" altLang="zh-CN" dirty="0" smtClean="0"/>
+              <a:t>1</a:t>
+            </a:r>
+            <a:r>
+              <a:rPr lang="zh-CN" altLang="en-US" dirty="0" smtClean="0"/>
+              <a:t>） 按时序扫描音频，找到第一个未被处理的静音帧 </a:t>
+            </a:r>
+            <a:r>
+              <a:rPr lang="en-US" altLang="zh-CN" dirty="0" err="1" smtClean="0"/>
+              <a:t>i</a:t>
+            </a:r>
+            <a:r>
+              <a:rPr lang="en-US" altLang="zh-CN" dirty="0" smtClean="0"/>
+              <a:t> 2</a:t>
+            </a:r>
+            <a:r>
+              <a:rPr lang="zh-CN" altLang="en-US" dirty="0" smtClean="0"/>
+              <a:t>） 从静音帧 </a:t>
+            </a:r>
+            <a:r>
+              <a:rPr lang="en-US" altLang="zh-CN" dirty="0" err="1" smtClean="0"/>
+              <a:t>i</a:t>
+            </a:r>
+            <a:r>
+              <a:rPr lang="en-US" altLang="zh-CN" dirty="0" smtClean="0"/>
+              <a:t> </a:t>
+            </a:r>
+            <a:r>
+              <a:rPr lang="zh-CN" altLang="en-US" dirty="0" smtClean="0"/>
+              <a:t>开始扫描，对于每一个未被处理的帧 </a:t>
+            </a:r>
+            <a:r>
+              <a:rPr lang="en-US" altLang="zh-CN" dirty="0" smtClean="0"/>
+              <a:t>j</a:t>
+            </a:r>
+            <a:r>
+              <a:rPr lang="zh-CN" altLang="en-US" dirty="0" smtClean="0"/>
+              <a:t>，如果为静音帧，则计算到静音段 长度中，否则计算到非静音帧长度中，然后标记为已处理。扫描终止条件为到达音 频结尾或非静音帧长度达到 </a:t>
+            </a:r>
+            <a:r>
+              <a:rPr lang="en-US" altLang="zh-CN" dirty="0" err="1" smtClean="0"/>
+              <a:t>maxI</a:t>
+            </a:r>
+            <a:r>
+              <a:rPr lang="en-US" altLang="zh-CN" dirty="0" smtClean="0"/>
+              <a:t> 3</a:t>
+            </a:r>
+            <a:r>
+              <a:rPr lang="zh-CN" altLang="en-US" dirty="0" smtClean="0"/>
+              <a:t>） 判断从静音帧 </a:t>
+            </a:r>
+            <a:r>
+              <a:rPr lang="en-US" altLang="zh-CN" dirty="0" smtClean="0"/>
+              <a:t>I </a:t>
+            </a:r>
+            <a:r>
+              <a:rPr lang="zh-CN" altLang="en-US" dirty="0" smtClean="0"/>
+              <a:t>开始的静音段是否满足最短长度 </a:t>
+            </a:r>
+            <a:r>
+              <a:rPr lang="en-US" altLang="zh-CN" dirty="0" err="1" smtClean="0"/>
+              <a:t>minD</a:t>
+            </a:r>
+            <a:r>
+              <a:rPr lang="zh-CN" altLang="en-US" dirty="0" smtClean="0"/>
+              <a:t>，若是则记录为静音段 最后将音频根据计算得到的静音段划分出与语音段。 参考文献</a:t>
+            </a:r>
+            <a:r>
+              <a:rPr lang="en-US" altLang="zh-CN" dirty="0" smtClean="0"/>
+              <a:t>[Pause concepts for audio segmentation at different semantic levels, Silvia, 2001] </a:t>
+            </a:r>
+          </a:p>
+          <a:p>
+            <a:r>
+              <a:rPr lang="en-US" altLang="zh-CN" dirty="0" smtClean="0"/>
+              <a:t> </a:t>
+            </a:r>
+          </a:p>
+          <a:p>
+            <a:r>
+              <a:rPr lang="en-US" altLang="zh-CN" dirty="0" smtClean="0"/>
+              <a:t>2</a:t>
+            </a:r>
+            <a:r>
+              <a:rPr lang="zh-CN" altLang="en-US" dirty="0" smtClean="0"/>
+              <a:t>、</a:t>
+            </a:r>
+            <a:r>
+              <a:rPr lang="en-US" altLang="zh-CN" dirty="0" smtClean="0"/>
+              <a:t>MFCC </a:t>
+            </a:r>
+            <a:r>
+              <a:rPr lang="zh-CN" altLang="en-US" dirty="0" smtClean="0"/>
+              <a:t>特征提取  我们将音频分段后，单独对每一段提取一个 </a:t>
+            </a:r>
+            <a:r>
+              <a:rPr lang="en-US" altLang="zh-CN" dirty="0" err="1" smtClean="0"/>
+              <a:t>mfcc</a:t>
+            </a:r>
+            <a:r>
+              <a:rPr lang="en-US" altLang="zh-CN" dirty="0" smtClean="0"/>
+              <a:t> </a:t>
+            </a:r>
+            <a:r>
+              <a:rPr lang="zh-CN" altLang="en-US" dirty="0" smtClean="0"/>
+              <a:t>特征，具体步骤如下： </a:t>
+            </a:r>
+            <a:r>
+              <a:rPr lang="en-US" altLang="zh-CN" dirty="0" smtClean="0"/>
+              <a:t>1</a:t>
+            </a:r>
+            <a:r>
+              <a:rPr lang="zh-CN" altLang="en-US" dirty="0" smtClean="0"/>
+              <a:t>）对音频进行分帧操作：取帧长为 </a:t>
+            </a:r>
+            <a:r>
+              <a:rPr lang="en-US" altLang="zh-CN" dirty="0" smtClean="0"/>
+              <a:t>256</a:t>
+            </a:r>
+            <a:r>
+              <a:rPr lang="zh-CN" altLang="en-US" dirty="0" smtClean="0"/>
+              <a:t>，步长为 </a:t>
+            </a:r>
+            <a:r>
+              <a:rPr lang="en-US" altLang="zh-CN" dirty="0" smtClean="0"/>
+              <a:t>128</a:t>
+            </a:r>
+            <a:r>
+              <a:rPr lang="zh-CN" altLang="en-US" dirty="0" smtClean="0"/>
+              <a:t>； </a:t>
+            </a:r>
+            <a:r>
+              <a:rPr lang="en-US" altLang="zh-CN" dirty="0" smtClean="0"/>
+              <a:t>2</a:t>
+            </a:r>
+            <a:r>
+              <a:rPr lang="zh-CN" altLang="en-US" dirty="0" smtClean="0"/>
+              <a:t>）对每帧数据提取出一个 </a:t>
+            </a:r>
+            <a:r>
+              <a:rPr lang="en-US" altLang="zh-CN" dirty="0" smtClean="0"/>
+              <a:t>12 </a:t>
+            </a:r>
+            <a:r>
+              <a:rPr lang="zh-CN" altLang="en-US" dirty="0" smtClean="0"/>
+              <a:t>维的 </a:t>
+            </a:r>
+            <a:r>
+              <a:rPr lang="en-US" altLang="zh-CN" dirty="0" err="1" smtClean="0"/>
+              <a:t>mfcc</a:t>
+            </a:r>
+            <a:r>
+              <a:rPr lang="en-US" altLang="zh-CN" dirty="0" smtClean="0"/>
+              <a:t> </a:t>
+            </a:r>
+            <a:r>
+              <a:rPr lang="zh-CN" altLang="en-US" dirty="0" smtClean="0"/>
+              <a:t>特征向量； </a:t>
+            </a:r>
+            <a:r>
+              <a:rPr lang="en-US" altLang="zh-CN" dirty="0" smtClean="0"/>
+              <a:t>3</a:t>
+            </a:r>
+            <a:r>
+              <a:rPr lang="zh-CN" altLang="en-US" dirty="0" smtClean="0"/>
+              <a:t>）计算每个向量的一阶差分，和原有向量组合得到 </a:t>
+            </a:r>
+            <a:r>
+              <a:rPr lang="en-US" altLang="zh-CN" dirty="0" smtClean="0"/>
+              <a:t>24 </a:t>
+            </a:r>
+            <a:r>
+              <a:rPr lang="zh-CN" altLang="en-US" dirty="0" smtClean="0"/>
+              <a:t>维特征向量； 这一过程的具体代码参考了</a:t>
+            </a:r>
+            <a:r>
+              <a:rPr lang="en-US" altLang="zh-CN" dirty="0" smtClean="0"/>
+              <a:t>[2]</a:t>
+            </a:r>
+            <a:r>
+              <a:rPr lang="zh-CN" altLang="en-US" dirty="0" smtClean="0"/>
+              <a:t>以及</a:t>
+            </a:r>
+            <a:r>
+              <a:rPr lang="en-US" altLang="zh-CN" dirty="0" smtClean="0"/>
+              <a:t>[3]</a:t>
+            </a:r>
+            <a:r>
+              <a:rPr lang="zh-CN" altLang="en-US" dirty="0" smtClean="0"/>
+              <a:t>。 </a:t>
+            </a:r>
+          </a:p>
+          <a:p>
+            <a:r>
+              <a:rPr lang="zh-CN" altLang="en-US" dirty="0" smtClean="0"/>
+              <a:t> </a:t>
+            </a:r>
+          </a:p>
+          <a:p>
+            <a:r>
+              <a:rPr lang="en-US" altLang="zh-CN" dirty="0" smtClean="0"/>
+              <a:t>3</a:t>
+            </a:r>
+            <a:r>
+              <a:rPr lang="zh-CN" altLang="en-US" dirty="0" smtClean="0"/>
+              <a:t>、音频特征生成 在上一步，我们得到了每一帧对应的一个 </a:t>
+            </a:r>
+            <a:r>
+              <a:rPr lang="en-US" altLang="zh-CN" dirty="0" smtClean="0"/>
+              <a:t>24 </a:t>
+            </a:r>
+            <a:r>
+              <a:rPr lang="zh-CN" altLang="en-US" dirty="0" smtClean="0"/>
+              <a:t>维特征向量。而一段音频可能有成百上千 帧，我们需要对其进行聚类，得到音频级别的特征。具体做法是： </a:t>
+            </a:r>
+          </a:p>
+          <a:p>
+            <a:r>
+              <a:rPr lang="en-US" altLang="zh-CN" dirty="0" smtClean="0"/>
+              <a:t>1</a:t>
+            </a:r>
+            <a:r>
+              <a:rPr lang="zh-CN" altLang="en-US" dirty="0" smtClean="0"/>
+              <a:t>）将一段音频的所有采样帧聚集在一起，在每一维度上求均值，得到一个质心。 </a:t>
+            </a:r>
+            <a:r>
+              <a:rPr lang="en-US" altLang="zh-CN" dirty="0" smtClean="0"/>
+              <a:t>2</a:t>
+            </a:r>
+            <a:r>
+              <a:rPr lang="zh-CN" altLang="en-US" dirty="0" smtClean="0"/>
+              <a:t>）对质心进行 </a:t>
+            </a:r>
+            <a:r>
+              <a:rPr lang="en-US" altLang="zh-CN" dirty="0" smtClean="0"/>
+              <a:t>2 </a:t>
+            </a:r>
+            <a:r>
+              <a:rPr lang="zh-CN" altLang="en-US" dirty="0" smtClean="0"/>
+              <a:t>分裂：每一维度乘以 </a:t>
+            </a:r>
+            <a:r>
+              <a:rPr lang="en-US" altLang="zh-CN" dirty="0" smtClean="0"/>
+              <a:t>1+e</a:t>
+            </a:r>
+            <a:r>
+              <a:rPr lang="zh-CN" altLang="en-US" dirty="0" smtClean="0"/>
+              <a:t>、</a:t>
+            </a:r>
+            <a:r>
+              <a:rPr lang="en-US" altLang="zh-CN" dirty="0" smtClean="0"/>
+              <a:t>1-e</a:t>
+            </a:r>
+            <a:r>
+              <a:rPr lang="zh-CN" altLang="en-US" dirty="0" smtClean="0"/>
+              <a:t>，得到两个质心 </a:t>
+            </a:r>
+            <a:r>
+              <a:rPr lang="en-US" altLang="zh-CN" dirty="0" smtClean="0"/>
+              <a:t>3</a:t>
+            </a:r>
+            <a:r>
+              <a:rPr lang="zh-CN" altLang="en-US" dirty="0" smtClean="0"/>
+              <a:t>）重新计算各点到质心的距离，调整质心 </a:t>
+            </a:r>
+            <a:r>
+              <a:rPr lang="en-US" altLang="zh-CN" dirty="0" smtClean="0"/>
+              <a:t>4</a:t>
+            </a:r>
+            <a:r>
+              <a:rPr lang="zh-CN" altLang="en-US" dirty="0" smtClean="0"/>
+              <a:t>）持续分裂直至质心数量达到 </a:t>
+            </a:r>
+            <a:r>
+              <a:rPr lang="en-US" altLang="zh-CN" dirty="0" smtClean="0"/>
+              <a:t>64</a:t>
+            </a:r>
+            <a:r>
+              <a:rPr lang="zh-CN" altLang="en-US" dirty="0" smtClean="0"/>
+              <a:t>（在音频转文本部分，我们选择质心数为 </a:t>
+            </a:r>
+            <a:r>
+              <a:rPr lang="en-US" altLang="zh-CN" dirty="0" smtClean="0"/>
+              <a:t>16</a:t>
+            </a:r>
+            <a:r>
+              <a:rPr lang="zh-CN" altLang="en-US" dirty="0" smtClean="0"/>
+              <a:t>） </a:t>
+            </a:r>
+          </a:p>
+          <a:p>
+            <a:r>
+              <a:rPr lang="zh-CN" altLang="en-US" dirty="0" smtClean="0"/>
+              <a:t> </a:t>
+            </a:r>
+          </a:p>
+          <a:p>
+            <a:r>
+              <a:rPr lang="en-US" altLang="zh-CN" dirty="0" smtClean="0"/>
+              <a:t>4</a:t>
+            </a:r>
+            <a:r>
+              <a:rPr lang="zh-CN" altLang="en-US" dirty="0" smtClean="0"/>
+              <a:t>、音频识别与匹配   在训练部分，我们对每个讲话人提取了属于各人的特征。在匹配时，我们首先对输入音 频进行分段，对每一段，同样提取特征，并根据该特征到讲话人特征的欧式距离远近，取距 离最近的人作为该段话的分类结果。 在音频转文本实验中，我们也采取了类似的办法。在训练时，我们首先在 </a:t>
+            </a:r>
+            <a:r>
+              <a:rPr lang="en-US" altLang="zh-CN" dirty="0" smtClean="0"/>
+              <a:t>500 </a:t>
+            </a:r>
+            <a:r>
+              <a:rPr lang="zh-CN" altLang="en-US" dirty="0" smtClean="0"/>
+              <a:t>个单词或 短语的语料库上进行特征学习。在匹配时，我们对输入音频进行更细粒度的分段，使分段结 果为单词或者短语。接着，我们对这些单词和短语在语料库中寻找距离最近的训练单词，根 据此进行单词识别。 我们再将对单词和讲话人进行一次匹配，便得到了最终的文本结果。 </a:t>
+            </a:r>
+          </a:p>
+          <a:p>
+            <a:r>
+              <a:rPr lang="zh-CN" altLang="en-US" dirty="0" smtClean="0"/>
+              <a:t> </a:t>
+            </a:r>
+            <a:endParaRPr lang="zh-CN" altLang="en-US" dirty="0"/>
           </a:p>
         </p:txBody>
       </p:sp>
@@ -776,7 +1233,547 @@
           <a:p>
             <a:fld id="{2E61351F-DBB1-4664-ADA9-83BC7CB8848D}" type="slidenum">
               <a:rPr lang="en-US" altLang="zh-CN" smtClean="0"/>
-              <a:t>7</a:t>
+              <a:t>4</a:t>
+            </a:fld>
+            <a:endParaRPr lang="zh-CN" altLang="en-US"/>
+          </a:p>
+        </p:txBody>
+      </p:sp>
+    </p:spTree>
+    <p:extLst>
+      <p:ext uri="{BB962C8B-B14F-4D97-AF65-F5344CB8AC3E}">
+        <p14:creationId xmlns:p14="http://schemas.microsoft.com/office/powerpoint/2010/main" val="3690194276"/>
+      </p:ext>
+    </p:extLst>
+  </p:cSld>
+  <p:clrMapOvr>
+    <a:masterClrMapping/>
+  </p:clrMapOvr>
+</p:notes>
+</file>
+
+<file path=ppt/notesSlides/notesSlide2.xml><?xml version="1.0" encoding="utf-8"?>
+<p:notes xmlns:a="http://schemas.openxmlformats.org/drawingml/2006/main" xmlns:r="http://schemas.openxmlformats.org/officeDocument/2006/relationships" xmlns:p="http://schemas.openxmlformats.org/presentationml/2006/main">
+  <p:cSld>
+    <p:spTree>
+      <p:nvGrpSpPr>
+        <p:cNvPr id="1" name=""/>
+        <p:cNvGrpSpPr/>
+        <p:nvPr/>
+      </p:nvGrpSpPr>
+      <p:grpSpPr>
+        <a:xfrm>
+          <a:off x="0" y="0"/>
+          <a:ext cx="0" cy="0"/>
+          <a:chOff x="0" y="0"/>
+          <a:chExt cx="0" cy="0"/>
+        </a:xfrm>
+      </p:grpSpPr>
+      <p:sp>
+        <p:nvSpPr>
+          <p:cNvPr id="2" name="幻灯片图像占位符 1"/>
+          <p:cNvSpPr>
+            <a:spLocks noGrp="1" noRot="1" noChangeAspect="1"/>
+          </p:cNvSpPr>
+          <p:nvPr>
+            <p:ph type="sldImg"/>
+          </p:nvPr>
+        </p:nvSpPr>
+        <p:spPr/>
+      </p:sp>
+      <p:sp>
+        <p:nvSpPr>
+          <p:cNvPr id="3" name="备注占位符 2"/>
+          <p:cNvSpPr>
+            <a:spLocks noGrp="1"/>
+          </p:cNvSpPr>
+          <p:nvPr>
+            <p:ph type="body" idx="1"/>
+          </p:nvPr>
+        </p:nvSpPr>
+        <p:spPr/>
+        <p:txBody>
+          <a:bodyPr/>
+          <a:lstStyle/>
+          <a:p>
+            <a:r>
+              <a:rPr lang="en-US" altLang="zh-CN" dirty="0" smtClean="0"/>
+              <a:t>1</a:t>
+            </a:r>
+            <a:r>
+              <a:rPr lang="zh-CN" altLang="en-US" dirty="0" smtClean="0"/>
+              <a:t>、音频分段 我们的音频分段算法采用的是基于静音段的分段算法。 首先，把音频中的每一秒平分成 </a:t>
+            </a:r>
+            <a:r>
+              <a:rPr lang="en-US" altLang="zh-CN" dirty="0" smtClean="0"/>
+              <a:t>100 </a:t>
+            </a:r>
+            <a:r>
+              <a:rPr lang="zh-CN" altLang="en-US" dirty="0" smtClean="0"/>
+              <a:t>帧，对于音频中的每一帧，我们定义第 </a:t>
+            </a:r>
+            <a:r>
+              <a:rPr lang="en-US" altLang="zh-CN" dirty="0" err="1" smtClean="0"/>
+              <a:t>i</a:t>
+            </a:r>
+            <a:r>
+              <a:rPr lang="en-US" altLang="zh-CN" dirty="0" smtClean="0"/>
+              <a:t> </a:t>
+            </a:r>
+            <a:r>
+              <a:rPr lang="zh-CN" altLang="en-US" dirty="0" smtClean="0"/>
+              <a:t>帧的能量 为𝐸</a:t>
+            </a:r>
+            <a:r>
+              <a:rPr lang="en-US" altLang="zh-CN" dirty="0" smtClean="0"/>
+              <a:t>(</a:t>
+            </a:r>
+            <a:r>
+              <a:rPr lang="zh-CN" altLang="en-US" dirty="0" smtClean="0"/>
+              <a:t>𝑖</a:t>
+            </a:r>
+            <a:r>
+              <a:rPr lang="en-US" altLang="zh-CN" dirty="0" smtClean="0"/>
+              <a:t>) = max⁡ (</a:t>
+            </a:r>
+            <a:r>
+              <a:rPr lang="zh-CN" altLang="en-US" dirty="0" smtClean="0"/>
+              <a:t>𝑠𝑎𝑚𝑝𝑙𝑒</a:t>
+            </a:r>
+            <a:r>
+              <a:rPr lang="en-US" altLang="zh-CN" dirty="0" smtClean="0"/>
+              <a:t>2(</a:t>
+            </a:r>
+            <a:r>
+              <a:rPr lang="zh-CN" altLang="en-US" dirty="0" smtClean="0"/>
+              <a:t>𝑘</a:t>
+            </a:r>
+            <a:r>
+              <a:rPr lang="en-US" altLang="zh-CN" dirty="0" smtClean="0"/>
+              <a:t>),</a:t>
+            </a:r>
+            <a:r>
+              <a:rPr lang="zh-CN" altLang="en-US" dirty="0" smtClean="0"/>
+              <a:t>𝑘⁡ ∈ 𝑓𝑟𝑎𝑚𝑒</a:t>
+            </a:r>
+            <a:r>
+              <a:rPr lang="en-US" altLang="zh-CN" dirty="0" smtClean="0"/>
+              <a:t>(</a:t>
+            </a:r>
+            <a:r>
+              <a:rPr lang="zh-CN" altLang="en-US" dirty="0" smtClean="0"/>
+              <a:t>𝑖</a:t>
+            </a:r>
+            <a:r>
+              <a:rPr lang="en-US" altLang="zh-CN" dirty="0" smtClean="0"/>
+              <a:t>))</a:t>
+            </a:r>
+            <a:r>
+              <a:rPr lang="zh-CN" altLang="en-US" dirty="0" smtClean="0"/>
+              <a:t>，并把满足𝐸</a:t>
+            </a:r>
+            <a:r>
+              <a:rPr lang="en-US" altLang="zh-CN" dirty="0" smtClean="0"/>
+              <a:t>(</a:t>
+            </a:r>
+            <a:r>
+              <a:rPr lang="zh-CN" altLang="en-US" dirty="0" smtClean="0"/>
+              <a:t>𝑖</a:t>
+            </a:r>
+            <a:r>
+              <a:rPr lang="en-US" altLang="zh-CN" dirty="0" smtClean="0"/>
+              <a:t>) &lt; </a:t>
+            </a:r>
+            <a:r>
+              <a:rPr lang="zh-CN" altLang="en-US" dirty="0" smtClean="0"/>
+              <a:t>𝜆的帧定义为静音帧。 然后用贪心的算法查找静音段。定义两个参数 </a:t>
+            </a:r>
+            <a:r>
+              <a:rPr lang="en-US" altLang="zh-CN" dirty="0" err="1" smtClean="0"/>
+              <a:t>minD</a:t>
+            </a:r>
+            <a:r>
+              <a:rPr lang="en-US" altLang="zh-CN" dirty="0" smtClean="0"/>
+              <a:t> </a:t>
+            </a:r>
+            <a:r>
+              <a:rPr lang="zh-CN" altLang="en-US" dirty="0" smtClean="0"/>
+              <a:t>和 </a:t>
+            </a:r>
+            <a:r>
+              <a:rPr lang="en-US" altLang="zh-CN" dirty="0" err="1" smtClean="0"/>
+              <a:t>maxI</a:t>
+            </a:r>
+            <a:r>
+              <a:rPr lang="zh-CN" altLang="en-US" dirty="0" smtClean="0"/>
+              <a:t>，其中 </a:t>
+            </a:r>
+            <a:r>
+              <a:rPr lang="en-US" altLang="zh-CN" dirty="0" err="1" smtClean="0"/>
+              <a:t>minD</a:t>
+            </a:r>
+            <a:r>
+              <a:rPr lang="en-US" altLang="zh-CN" dirty="0" smtClean="0"/>
+              <a:t> </a:t>
+            </a:r>
+            <a:r>
+              <a:rPr lang="zh-CN" altLang="en-US" dirty="0" smtClean="0"/>
+              <a:t>表示一段静音 段要求的最短长度，</a:t>
+            </a:r>
+            <a:r>
+              <a:rPr lang="en-US" altLang="zh-CN" dirty="0" err="1" smtClean="0"/>
+              <a:t>maxI</a:t>
+            </a:r>
+            <a:r>
+              <a:rPr lang="en-US" altLang="zh-CN" dirty="0" smtClean="0"/>
+              <a:t> </a:t>
+            </a:r>
+            <a:r>
+              <a:rPr lang="zh-CN" altLang="en-US" dirty="0" smtClean="0"/>
+              <a:t>表示一段静音段中可以允许的非静音帧的最大长度。贪心算法如 下： </a:t>
+            </a:r>
+            <a:r>
+              <a:rPr lang="en-US" altLang="zh-CN" dirty="0" smtClean="0"/>
+              <a:t>1</a:t>
+            </a:r>
+            <a:r>
+              <a:rPr lang="zh-CN" altLang="en-US" dirty="0" smtClean="0"/>
+              <a:t>） 按时序扫描音频，找到第一个未被处理的静音帧 </a:t>
+            </a:r>
+            <a:r>
+              <a:rPr lang="en-US" altLang="zh-CN" dirty="0" err="1" smtClean="0"/>
+              <a:t>i</a:t>
+            </a:r>
+            <a:r>
+              <a:rPr lang="en-US" altLang="zh-CN" dirty="0" smtClean="0"/>
+              <a:t> 2</a:t>
+            </a:r>
+            <a:r>
+              <a:rPr lang="zh-CN" altLang="en-US" dirty="0" smtClean="0"/>
+              <a:t>） 从静音帧 </a:t>
+            </a:r>
+            <a:r>
+              <a:rPr lang="en-US" altLang="zh-CN" dirty="0" err="1" smtClean="0"/>
+              <a:t>i</a:t>
+            </a:r>
+            <a:r>
+              <a:rPr lang="en-US" altLang="zh-CN" dirty="0" smtClean="0"/>
+              <a:t> </a:t>
+            </a:r>
+            <a:r>
+              <a:rPr lang="zh-CN" altLang="en-US" dirty="0" smtClean="0"/>
+              <a:t>开始扫描，对于每一个未被处理的帧 </a:t>
+            </a:r>
+            <a:r>
+              <a:rPr lang="en-US" altLang="zh-CN" dirty="0" smtClean="0"/>
+              <a:t>j</a:t>
+            </a:r>
+            <a:r>
+              <a:rPr lang="zh-CN" altLang="en-US" dirty="0" smtClean="0"/>
+              <a:t>，如果为静音帧，则计算到静音段 长度中，否则计算到非静音帧长度中，然后标记为已处理。扫描终止条件为到达音 频结尾或非静音帧长度达到 </a:t>
+            </a:r>
+            <a:r>
+              <a:rPr lang="en-US" altLang="zh-CN" dirty="0" err="1" smtClean="0"/>
+              <a:t>maxI</a:t>
+            </a:r>
+            <a:r>
+              <a:rPr lang="en-US" altLang="zh-CN" dirty="0" smtClean="0"/>
+              <a:t> 3</a:t>
+            </a:r>
+            <a:r>
+              <a:rPr lang="zh-CN" altLang="en-US" dirty="0" smtClean="0"/>
+              <a:t>） 判断从静音帧 </a:t>
+            </a:r>
+            <a:r>
+              <a:rPr lang="en-US" altLang="zh-CN" dirty="0" smtClean="0"/>
+              <a:t>I </a:t>
+            </a:r>
+            <a:r>
+              <a:rPr lang="zh-CN" altLang="en-US" dirty="0" smtClean="0"/>
+              <a:t>开始的静音段是否满足最短长度 </a:t>
+            </a:r>
+            <a:r>
+              <a:rPr lang="en-US" altLang="zh-CN" dirty="0" err="1" smtClean="0"/>
+              <a:t>minD</a:t>
+            </a:r>
+            <a:r>
+              <a:rPr lang="zh-CN" altLang="en-US" dirty="0" smtClean="0"/>
+              <a:t>，若是则记录为静音段 最后将音频根据计算得到的静音段划分出与语音段。 参考文献</a:t>
+            </a:r>
+            <a:r>
+              <a:rPr lang="en-US" altLang="zh-CN" dirty="0" smtClean="0"/>
+              <a:t>[Pause concepts for audio segmentation at different semantic levels, Silvia, 2001] </a:t>
+            </a:r>
+          </a:p>
+          <a:p>
+            <a:r>
+              <a:rPr lang="en-US" altLang="zh-CN" dirty="0" smtClean="0"/>
+              <a:t> </a:t>
+            </a:r>
+          </a:p>
+          <a:p>
+            <a:r>
+              <a:rPr lang="en-US" altLang="zh-CN" dirty="0" smtClean="0"/>
+              <a:t>2</a:t>
+            </a:r>
+            <a:r>
+              <a:rPr lang="zh-CN" altLang="en-US" dirty="0" smtClean="0"/>
+              <a:t>、</a:t>
+            </a:r>
+            <a:r>
+              <a:rPr lang="en-US" altLang="zh-CN" dirty="0" smtClean="0"/>
+              <a:t>MFCC </a:t>
+            </a:r>
+            <a:r>
+              <a:rPr lang="zh-CN" altLang="en-US" dirty="0" smtClean="0"/>
+              <a:t>特征提取  我们将音频分段后，单独对每一段提取一个 </a:t>
+            </a:r>
+            <a:r>
+              <a:rPr lang="en-US" altLang="zh-CN" dirty="0" err="1" smtClean="0"/>
+              <a:t>mfcc</a:t>
+            </a:r>
+            <a:r>
+              <a:rPr lang="en-US" altLang="zh-CN" dirty="0" smtClean="0"/>
+              <a:t> </a:t>
+            </a:r>
+            <a:r>
+              <a:rPr lang="zh-CN" altLang="en-US" dirty="0" smtClean="0"/>
+              <a:t>特征，具体步骤如下： </a:t>
+            </a:r>
+            <a:r>
+              <a:rPr lang="en-US" altLang="zh-CN" dirty="0" smtClean="0"/>
+              <a:t>1</a:t>
+            </a:r>
+            <a:r>
+              <a:rPr lang="zh-CN" altLang="en-US" dirty="0" smtClean="0"/>
+              <a:t>）对音频进行分帧操作：取帧长为 </a:t>
+            </a:r>
+            <a:r>
+              <a:rPr lang="en-US" altLang="zh-CN" dirty="0" smtClean="0"/>
+              <a:t>256</a:t>
+            </a:r>
+            <a:r>
+              <a:rPr lang="zh-CN" altLang="en-US" dirty="0" smtClean="0"/>
+              <a:t>，步长为 </a:t>
+            </a:r>
+            <a:r>
+              <a:rPr lang="en-US" altLang="zh-CN" dirty="0" smtClean="0"/>
+              <a:t>128</a:t>
+            </a:r>
+            <a:r>
+              <a:rPr lang="zh-CN" altLang="en-US" dirty="0" smtClean="0"/>
+              <a:t>； </a:t>
+            </a:r>
+            <a:r>
+              <a:rPr lang="en-US" altLang="zh-CN" dirty="0" smtClean="0"/>
+              <a:t>2</a:t>
+            </a:r>
+            <a:r>
+              <a:rPr lang="zh-CN" altLang="en-US" dirty="0" smtClean="0"/>
+              <a:t>）对每帧数据提取出一个 </a:t>
+            </a:r>
+            <a:r>
+              <a:rPr lang="en-US" altLang="zh-CN" dirty="0" smtClean="0"/>
+              <a:t>12 </a:t>
+            </a:r>
+            <a:r>
+              <a:rPr lang="zh-CN" altLang="en-US" dirty="0" smtClean="0"/>
+              <a:t>维的 </a:t>
+            </a:r>
+            <a:r>
+              <a:rPr lang="en-US" altLang="zh-CN" dirty="0" err="1" smtClean="0"/>
+              <a:t>mfcc</a:t>
+            </a:r>
+            <a:r>
+              <a:rPr lang="en-US" altLang="zh-CN" dirty="0" smtClean="0"/>
+              <a:t> </a:t>
+            </a:r>
+            <a:r>
+              <a:rPr lang="zh-CN" altLang="en-US" dirty="0" smtClean="0"/>
+              <a:t>特征向量； </a:t>
+            </a:r>
+            <a:r>
+              <a:rPr lang="en-US" altLang="zh-CN" dirty="0" smtClean="0"/>
+              <a:t>3</a:t>
+            </a:r>
+            <a:r>
+              <a:rPr lang="zh-CN" altLang="en-US" dirty="0" smtClean="0"/>
+              <a:t>）计算每个向量的一阶差分，和原有向量组合得到 </a:t>
+            </a:r>
+            <a:r>
+              <a:rPr lang="en-US" altLang="zh-CN" dirty="0" smtClean="0"/>
+              <a:t>24 </a:t>
+            </a:r>
+            <a:r>
+              <a:rPr lang="zh-CN" altLang="en-US" dirty="0" smtClean="0"/>
+              <a:t>维特征向量； 这一过程的具体代码参考了</a:t>
+            </a:r>
+            <a:r>
+              <a:rPr lang="en-US" altLang="zh-CN" dirty="0" smtClean="0"/>
+              <a:t>[2]</a:t>
+            </a:r>
+            <a:r>
+              <a:rPr lang="zh-CN" altLang="en-US" dirty="0" smtClean="0"/>
+              <a:t>以及</a:t>
+            </a:r>
+            <a:r>
+              <a:rPr lang="en-US" altLang="zh-CN" dirty="0" smtClean="0"/>
+              <a:t>[3]</a:t>
+            </a:r>
+            <a:r>
+              <a:rPr lang="zh-CN" altLang="en-US" dirty="0" smtClean="0"/>
+              <a:t>。 </a:t>
+            </a:r>
+          </a:p>
+          <a:p>
+            <a:r>
+              <a:rPr lang="zh-CN" altLang="en-US" dirty="0" smtClean="0"/>
+              <a:t> </a:t>
+            </a:r>
+          </a:p>
+          <a:p>
+            <a:r>
+              <a:rPr lang="en-US" altLang="zh-CN" dirty="0" smtClean="0"/>
+              <a:t>3</a:t>
+            </a:r>
+            <a:r>
+              <a:rPr lang="zh-CN" altLang="en-US" dirty="0" smtClean="0"/>
+              <a:t>、音频特征生成 在上一步，我们得到了每一帧对应的一个 </a:t>
+            </a:r>
+            <a:r>
+              <a:rPr lang="en-US" altLang="zh-CN" dirty="0" smtClean="0"/>
+              <a:t>24 </a:t>
+            </a:r>
+            <a:r>
+              <a:rPr lang="zh-CN" altLang="en-US" dirty="0" smtClean="0"/>
+              <a:t>维特征向量。而一段音频可能有成百上千 帧，我们需要对其进行聚类，得到音频级别的特征。具体做法是： </a:t>
+            </a:r>
+          </a:p>
+          <a:p>
+            <a:r>
+              <a:rPr lang="en-US" altLang="zh-CN" dirty="0" smtClean="0"/>
+              <a:t>1</a:t>
+            </a:r>
+            <a:r>
+              <a:rPr lang="zh-CN" altLang="en-US" dirty="0" smtClean="0"/>
+              <a:t>）将一段音频的所有采样帧聚集在一起，在每一维度上求均值，得到一个质心。 </a:t>
+            </a:r>
+            <a:r>
+              <a:rPr lang="en-US" altLang="zh-CN" dirty="0" smtClean="0"/>
+              <a:t>2</a:t>
+            </a:r>
+            <a:r>
+              <a:rPr lang="zh-CN" altLang="en-US" dirty="0" smtClean="0"/>
+              <a:t>）对质心进行 </a:t>
+            </a:r>
+            <a:r>
+              <a:rPr lang="en-US" altLang="zh-CN" dirty="0" smtClean="0"/>
+              <a:t>2 </a:t>
+            </a:r>
+            <a:r>
+              <a:rPr lang="zh-CN" altLang="en-US" dirty="0" smtClean="0"/>
+              <a:t>分裂：每一维度乘以 </a:t>
+            </a:r>
+            <a:r>
+              <a:rPr lang="en-US" altLang="zh-CN" dirty="0" smtClean="0"/>
+              <a:t>1+e</a:t>
+            </a:r>
+            <a:r>
+              <a:rPr lang="zh-CN" altLang="en-US" dirty="0" smtClean="0"/>
+              <a:t>、</a:t>
+            </a:r>
+            <a:r>
+              <a:rPr lang="en-US" altLang="zh-CN" dirty="0" smtClean="0"/>
+              <a:t>1-e</a:t>
+            </a:r>
+            <a:r>
+              <a:rPr lang="zh-CN" altLang="en-US" dirty="0" smtClean="0"/>
+              <a:t>，得到两个质心 </a:t>
+            </a:r>
+            <a:r>
+              <a:rPr lang="en-US" altLang="zh-CN" dirty="0" smtClean="0"/>
+              <a:t>3</a:t>
+            </a:r>
+            <a:r>
+              <a:rPr lang="zh-CN" altLang="en-US" dirty="0" smtClean="0"/>
+              <a:t>）重新计算各点到质心的距离，调整质心 </a:t>
+            </a:r>
+            <a:r>
+              <a:rPr lang="en-US" altLang="zh-CN" dirty="0" smtClean="0"/>
+              <a:t>4</a:t>
+            </a:r>
+            <a:r>
+              <a:rPr lang="zh-CN" altLang="en-US" dirty="0" smtClean="0"/>
+              <a:t>）持续分裂直至质心数量达到 </a:t>
+            </a:r>
+            <a:r>
+              <a:rPr lang="en-US" altLang="zh-CN" dirty="0" smtClean="0"/>
+              <a:t>64</a:t>
+            </a:r>
+            <a:r>
+              <a:rPr lang="zh-CN" altLang="en-US" dirty="0" smtClean="0"/>
+              <a:t>（在音频转文本部分，我们选择质心数为 </a:t>
+            </a:r>
+            <a:r>
+              <a:rPr lang="en-US" altLang="zh-CN" dirty="0" smtClean="0"/>
+              <a:t>16</a:t>
+            </a:r>
+            <a:r>
+              <a:rPr lang="zh-CN" altLang="en-US" dirty="0" smtClean="0"/>
+              <a:t>） </a:t>
+            </a:r>
+          </a:p>
+          <a:p>
+            <a:r>
+              <a:rPr lang="zh-CN" altLang="en-US" dirty="0" smtClean="0"/>
+              <a:t> </a:t>
+            </a:r>
+          </a:p>
+          <a:p>
+            <a:r>
+              <a:rPr lang="en-US" altLang="zh-CN" dirty="0" smtClean="0"/>
+              <a:t>4</a:t>
+            </a:r>
+            <a:r>
+              <a:rPr lang="zh-CN" altLang="en-US" dirty="0" smtClean="0"/>
+              <a:t>、音频识别与匹配   在训练部分，我们对每个讲话人提取了属于各人的特征。在匹配时，我们首先对输入音 频进行分段，对每一段，同样提取特征，并根据该特征到讲话人特征的欧式距离远近，取距 离最近的人作为该段话的分类结果。 在音频转文本实验中，我们也采取了类似的办法。在训练时，我们首先在 </a:t>
+            </a:r>
+            <a:r>
+              <a:rPr lang="en-US" altLang="zh-CN" dirty="0" smtClean="0"/>
+              <a:t>500 </a:t>
+            </a:r>
+            <a:r>
+              <a:rPr lang="zh-CN" altLang="en-US" dirty="0" smtClean="0"/>
+              <a:t>个单词或 短语的语料库上进行特征学习。在匹配时，我们对输入音频进行更细粒度的分段，使分段结 果为单词或者短语。接着，我们对这些单词和短语在语料库中寻找距离最近的训练单词，根 据此进行单词识别。 我们再将对单词和讲话人进行一次匹配，便得到了最终的文本结果。 </a:t>
+            </a:r>
+          </a:p>
+          <a:p>
+            <a:r>
+              <a:rPr lang="zh-CN" altLang="en-US" dirty="0" smtClean="0"/>
+              <a:t> </a:t>
+            </a:r>
+            <a:endParaRPr lang="zh-CN" altLang="en-US" dirty="0"/>
+          </a:p>
+        </p:txBody>
+      </p:sp>
+      <p:sp>
+        <p:nvSpPr>
+          <p:cNvPr id="4" name="灯片编号占位符 3"/>
+          <p:cNvSpPr>
+            <a:spLocks noGrp="1"/>
+          </p:cNvSpPr>
+          <p:nvPr>
+            <p:ph type="sldNum" sz="quarter" idx="10"/>
+          </p:nvPr>
+        </p:nvSpPr>
+        <p:spPr/>
+        <p:txBody>
+          <a:bodyPr/>
+          <a:lstStyle/>
+          <a:p>
+            <a:fld id="{2E61351F-DBB1-4664-ADA9-83BC7CB8848D}" type="slidenum">
+              <a:rPr lang="en-US" altLang="zh-CN" smtClean="0"/>
+              <a:t>8</a:t>
             </a:fld>
             <a:endParaRPr lang="zh-CN" altLang="en-US"/>
           </a:p>
@@ -998,7 +1995,7 @@
           <a:lstStyle/>
           <a:p>
             <a:fld id="{3CD9712D-992A-4AB1-A5C2-575F75921AA2}" type="datetimeFigureOut">
-              <a:t>2016/11/2</a:t>
+              <a:t>2016/11/3</a:t>
             </a:fld>
             <a:endParaRPr lang="zh-CN"/>
           </a:p>
@@ -1201,7 +2198,7 @@
           <a:lstStyle/>
           <a:p>
             <a:fld id="{3CD9712D-992A-4AB1-A5C2-575F75921AA2}" type="datetimeFigureOut">
-              <a:t>2016/11/2</a:t>
+              <a:t>2016/11/3</a:t>
             </a:fld>
             <a:endParaRPr lang="zh-CN"/>
           </a:p>
@@ -1414,7 +2411,7 @@
           <a:lstStyle/>
           <a:p>
             <a:fld id="{3CD9712D-992A-4AB1-A5C2-575F75921AA2}" type="datetimeFigureOut">
-              <a:t>2016/11/2</a:t>
+              <a:t>2016/11/3</a:t>
             </a:fld>
             <a:endParaRPr lang="zh-CN"/>
           </a:p>
@@ -1617,7 +2614,7 @@
           <a:lstStyle/>
           <a:p>
             <a:fld id="{3CD9712D-992A-4AB1-A5C2-575F75921AA2}" type="datetimeFigureOut">
-              <a:t>2016/11/2</a:t>
+              <a:t>2016/11/3</a:t>
             </a:fld>
             <a:endParaRPr lang="zh-CN"/>
           </a:p>
@@ -1899,7 +2896,7 @@
           <a:lstStyle/>
           <a:p>
             <a:fld id="{3CD9712D-992A-4AB1-A5C2-575F75921AA2}" type="datetimeFigureOut">
-              <a:t>2016/11/2</a:t>
+              <a:t>2016/11/3</a:t>
             </a:fld>
             <a:endParaRPr lang="zh-CN"/>
           </a:p>
@@ -2208,7 +3205,7 @@
           <a:lstStyle/>
           <a:p>
             <a:fld id="{3CD9712D-992A-4AB1-A5C2-575F75921AA2}" type="datetimeFigureOut">
-              <a:t>2016/11/2</a:t>
+              <a:t>2016/11/3</a:t>
             </a:fld>
             <a:endParaRPr lang="zh-CN"/>
           </a:p>
@@ -2662,7 +3659,7 @@
           <a:lstStyle/>
           <a:p>
             <a:fld id="{3CD9712D-992A-4AB1-A5C2-575F75921AA2}" type="datetimeFigureOut">
-              <a:t>2016/11/2</a:t>
+              <a:t>2016/11/3</a:t>
             </a:fld>
             <a:endParaRPr lang="zh-CN"/>
           </a:p>
@@ -2797,7 +3794,7 @@
           <a:lstStyle/>
           <a:p>
             <a:fld id="{3CD9712D-992A-4AB1-A5C2-575F75921AA2}" type="datetimeFigureOut">
-              <a:t>2016/11/2</a:t>
+              <a:t>2016/11/3</a:t>
             </a:fld>
             <a:endParaRPr lang="zh-CN"/>
           </a:p>
@@ -2923,7 +3920,7 @@
           <a:lstStyle/>
           <a:p>
             <a:fld id="{3CD9712D-992A-4AB1-A5C2-575F75921AA2}" type="datetimeFigureOut">
-              <a:t>2016/11/2</a:t>
+              <a:t>2016/11/3</a:t>
             </a:fld>
             <a:endParaRPr lang="zh-CN"/>
           </a:p>
@@ -3223,7 +4220,7 @@
           <a:lstStyle/>
           <a:p>
             <a:fld id="{3CD9712D-992A-4AB1-A5C2-575F75921AA2}" type="datetimeFigureOut">
-              <a:t>2016/11/2</a:t>
+              <a:t>2016/11/3</a:t>
             </a:fld>
             <a:endParaRPr lang="zh-CN"/>
           </a:p>
@@ -3743,7 +4740,7 @@
             <a:fld id="{3CD9712D-992A-4AB1-A5C2-575F75921AA2}" type="datetimeFigureOut">
               <a:rPr lang="en-US" altLang="zh-CN" smtClean="0"/>
               <a:pPr/>
-              <a:t>11/2/2016</a:t>
+              <a:t>11/3/2016</a:t>
             </a:fld>
             <a:endParaRPr lang="zh-CN" altLang="en-US"/>
           </a:p>
@@ -5091,28 +6088,7 @@
                 <a:latin typeface="微软雅黑" pitchFamily="34" charset="-122"/>
                 <a:ea typeface="微软雅黑" pitchFamily="34" charset="-122"/>
               </a:rPr>
-              <a:t>实</a:t>
-            </a:r>
-            <a:r>
-              <a:rPr lang="zh-CN" altLang="en-US" sz="2800" b="1" dirty="0" smtClean="0">
-                <a:ln w="6600">
-                  <a:solidFill>
-                    <a:schemeClr val="accent2"/>
-                  </a:solidFill>
-                  <a:prstDash val="solid"/>
-                </a:ln>
-                <a:solidFill>
-                  <a:srgbClr val="FFFFFF"/>
-                </a:solidFill>
-                <a:effectLst>
-                  <a:outerShdw dist="38100" dir="2700000" algn="tl" rotWithShape="0">
-                    <a:schemeClr val="accent2"/>
-                  </a:outerShdw>
-                </a:effectLst>
-                <a:latin typeface="微软雅黑" pitchFamily="34" charset="-122"/>
-                <a:ea typeface="微软雅黑" pitchFamily="34" charset="-122"/>
-              </a:rPr>
-              <a:t>验</a:t>
+              <a:t>实验</a:t>
             </a:r>
             <a:r>
               <a:rPr lang="zh-CN" altLang="en-US" sz="2800" b="1" dirty="0">
@@ -5135,24 +6111,6 @@
               </a:rPr>
               <a:t>结果</a:t>
             </a:r>
-            <a:endParaRPr lang="zh-CN" altLang="en-US" sz="2800" b="1" dirty="0">
-              <a:ln w="6600">
-                <a:solidFill>
-                  <a:schemeClr val="accent2"/>
-                </a:solidFill>
-                <a:prstDash val="solid"/>
-              </a:ln>
-              <a:solidFill>
-                <a:srgbClr val="FFFFFF"/>
-              </a:solidFill>
-              <a:effectLst>
-                <a:outerShdw dist="38100" dir="2700000" algn="tl" rotWithShape="0">
-                  <a:schemeClr val="accent2"/>
-                </a:outerShdw>
-              </a:effectLst>
-              <a:latin typeface="微软雅黑" pitchFamily="34" charset="-122"/>
-              <a:ea typeface="微软雅黑" pitchFamily="34" charset="-122"/>
-            </a:endParaRPr>
           </a:p>
         </p:txBody>
       </p:sp>
@@ -7806,152 +8764,147 @@
         </p:nvSpPr>
         <p:spPr/>
         <p:txBody>
-          <a:bodyPr/>
+          <a:bodyPr>
+            <a:normAutofit/>
+          </a:bodyPr>
           <a:lstStyle/>
           <a:p>
             <a:r>
+              <a:rPr lang="zh-CN" altLang="en-US" dirty="0" smtClean="0"/>
+              <a:t>音频分段</a:t>
+            </a:r>
+            <a:endParaRPr lang="en-US" altLang="zh-CN" dirty="0" smtClean="0"/>
+          </a:p>
+          <a:p>
+            <a:r>
+              <a:rPr lang="zh-CN" altLang="en-US" dirty="0" smtClean="0"/>
+              <a:t>提取各段音频的</a:t>
+            </a:r>
+            <a:r>
+              <a:rPr lang="en-US" altLang="zh-CN" dirty="0" err="1" smtClean="0"/>
+              <a:t>mfcc</a:t>
+            </a:r>
+            <a:r>
+              <a:rPr lang="zh-CN" altLang="en-US" dirty="0" smtClean="0"/>
+              <a:t>特征</a:t>
+            </a:r>
+            <a:endParaRPr lang="en-US" altLang="zh-CN" dirty="0" smtClean="0"/>
+          </a:p>
+          <a:p>
+            <a:pPr lvl="1"/>
+            <a:r>
               <a:rPr lang="zh-CN" altLang="en-US" dirty="0"/>
-              <a:t>我们将音频分段后，单独对每一段提取一个 </a:t>
-            </a:r>
-            <a:r>
-              <a:rPr lang="en-US" altLang="zh-CN" dirty="0" err="1"/>
+              <a:t>取</a:t>
+            </a:r>
+            <a:r>
+              <a:rPr lang="zh-CN" altLang="en-US" dirty="0" smtClean="0"/>
+              <a:t>帧</a:t>
+            </a:r>
+            <a:endParaRPr lang="en-US" altLang="zh-CN" dirty="0" smtClean="0"/>
+          </a:p>
+          <a:p>
+            <a:pPr lvl="1"/>
+            <a:r>
+              <a:rPr lang="zh-CN" altLang="en-US" dirty="0" smtClean="0"/>
+              <a:t>对每个帧提取</a:t>
+            </a:r>
+            <a:r>
+              <a:rPr lang="en-US" altLang="zh-CN" dirty="0" err="1" smtClean="0"/>
               <a:t>mfcc</a:t>
             </a:r>
             <a:r>
-              <a:rPr lang="en-US" altLang="zh-CN" dirty="0"/>
-              <a:t> </a:t>
+              <a:rPr lang="zh-CN" altLang="en-US" dirty="0" smtClean="0"/>
+              <a:t>向量</a:t>
+            </a:r>
+            <a:endParaRPr lang="en-US" altLang="zh-CN" dirty="0" smtClean="0"/>
+          </a:p>
+          <a:p>
+            <a:pPr lvl="1"/>
+            <a:r>
+              <a:rPr lang="zh-CN" altLang="en-US" dirty="0" smtClean="0"/>
+              <a:t>计算各向量</a:t>
             </a:r>
             <a:r>
               <a:rPr lang="zh-CN" altLang="en-US" dirty="0"/>
-              <a:t>特征，具体步骤如下： </a:t>
-            </a:r>
-            <a:r>
-              <a:rPr lang="en-US" altLang="zh-CN" dirty="0"/>
-              <a:t>1</a:t>
+              <a:t>的一阶差分，和原有向量组合</a:t>
+            </a:r>
+            <a:r>
+              <a:rPr lang="zh-CN" altLang="en-US" dirty="0" smtClean="0"/>
+              <a:t>得到特征向量</a:t>
+            </a:r>
+            <a:endParaRPr lang="en-US" altLang="zh-CN" dirty="0" smtClean="0"/>
+          </a:p>
+          <a:p>
+            <a:r>
+              <a:rPr lang="zh-CN" altLang="en-US" dirty="0" smtClean="0"/>
+              <a:t>对特征向量聚类</a:t>
+            </a:r>
+            <a:endParaRPr lang="zh-CN" altLang="en-US" dirty="0"/>
+          </a:p>
+          <a:p>
+            <a:pPr lvl="1"/>
+            <a:r>
+              <a:rPr lang="zh-CN" altLang="en-US" dirty="0" smtClean="0"/>
+              <a:t>将音频</a:t>
             </a:r>
             <a:r>
               <a:rPr lang="zh-CN" altLang="en-US" dirty="0"/>
-              <a:t>）对音频进行分帧操作：取帧长为 </a:t>
-            </a:r>
-            <a:r>
-              <a:rPr lang="en-US" altLang="zh-CN" dirty="0"/>
-              <a:t>256</a:t>
+              <a:t>的所有采样帧</a:t>
+            </a:r>
+            <a:r>
+              <a:rPr lang="zh-CN" altLang="en-US" dirty="0" smtClean="0"/>
+              <a:t>聚集，在</a:t>
             </a:r>
             <a:r>
               <a:rPr lang="zh-CN" altLang="en-US" dirty="0"/>
-              <a:t>，步长为 </a:t>
-            </a:r>
-            <a:r>
-              <a:rPr lang="en-US" altLang="zh-CN" dirty="0"/>
-              <a:t>128</a:t>
+              <a:t>各个</a:t>
+            </a:r>
+            <a:r>
+              <a:rPr lang="zh-CN" altLang="en-US" dirty="0" smtClean="0"/>
+              <a:t>维</a:t>
             </a:r>
             <a:r>
               <a:rPr lang="zh-CN" altLang="en-US" dirty="0"/>
-              <a:t>； </a:t>
-            </a:r>
-            <a:r>
-              <a:rPr lang="en-US" altLang="zh-CN" dirty="0"/>
+              <a:t>度上求均值，</a:t>
+            </a:r>
+            <a:r>
+              <a:rPr lang="zh-CN" altLang="en-US" dirty="0" smtClean="0"/>
+              <a:t>得到质心</a:t>
+            </a:r>
+            <a:endParaRPr lang="en-US" altLang="zh-CN" dirty="0" smtClean="0"/>
+          </a:p>
+          <a:p>
+            <a:pPr lvl="1"/>
+            <a:r>
+              <a:rPr lang="zh-CN" altLang="en-US" dirty="0" smtClean="0"/>
+              <a:t>对</a:t>
+            </a:r>
+            <a:r>
+              <a:rPr lang="zh-CN" altLang="en-US" dirty="0"/>
+              <a:t>质心</a:t>
+            </a:r>
+            <a:r>
+              <a:rPr lang="zh-CN" altLang="en-US" dirty="0" smtClean="0"/>
+              <a:t>进行</a:t>
+            </a:r>
+            <a:r>
+              <a:rPr lang="en-US" altLang="zh-CN" dirty="0" smtClean="0"/>
               <a:t>2</a:t>
             </a:r>
             <a:r>
+              <a:rPr lang="zh-CN" altLang="en-US" dirty="0" smtClean="0"/>
+              <a:t>分裂</a:t>
+            </a:r>
+            <a:r>
               <a:rPr lang="zh-CN" altLang="en-US" dirty="0"/>
-              <a:t>）对每帧数据提取出一个 </a:t>
-            </a:r>
-            <a:r>
-              <a:rPr lang="en-US" altLang="zh-CN" dirty="0"/>
-              <a:t>12 </a:t>
-            </a:r>
-            <a:r>
-              <a:rPr lang="zh-CN" altLang="en-US" dirty="0"/>
-              <a:t>维的 </a:t>
-            </a:r>
-            <a:r>
-              <a:rPr lang="en-US" altLang="zh-CN" dirty="0" err="1"/>
-              <a:t>mfcc</a:t>
-            </a:r>
-            <a:r>
-              <a:rPr lang="en-US" altLang="zh-CN" dirty="0"/>
-              <a:t> </a:t>
-            </a:r>
-            <a:r>
-              <a:rPr lang="zh-CN" altLang="en-US" dirty="0"/>
-              <a:t>特征向量； </a:t>
-            </a:r>
-            <a:r>
-              <a:rPr lang="en-US" altLang="zh-CN" dirty="0"/>
-              <a:t>3</a:t>
-            </a:r>
-            <a:r>
-              <a:rPr lang="zh-CN" altLang="en-US" dirty="0"/>
-              <a:t>）计算每个向量的一阶差分，和原有向量组合得到 </a:t>
-            </a:r>
-            <a:r>
-              <a:rPr lang="en-US" altLang="zh-CN" dirty="0"/>
-              <a:t>24 </a:t>
-            </a:r>
-            <a:r>
-              <a:rPr lang="zh-CN" altLang="en-US" dirty="0"/>
-              <a:t>维特征向量； 这一过程的具体代码参考了</a:t>
-            </a:r>
-            <a:r>
-              <a:rPr lang="en-US" altLang="zh-CN" dirty="0"/>
-              <a:t>[2]</a:t>
-            </a:r>
-            <a:r>
-              <a:rPr lang="zh-CN" altLang="en-US" dirty="0"/>
-              <a:t>以及</a:t>
-            </a:r>
-            <a:r>
-              <a:rPr lang="en-US" altLang="zh-CN" dirty="0"/>
-              <a:t>[3]</a:t>
-            </a:r>
-            <a:r>
-              <a:rPr lang="zh-CN" altLang="en-US" dirty="0"/>
-              <a:t>。 </a:t>
-            </a:r>
-            <a:endParaRPr lang="en-US" altLang="zh-CN" dirty="0" smtClean="0"/>
-          </a:p>
-          <a:p>
-            <a:r>
-              <a:rPr lang="zh-CN" altLang="en-US" dirty="0"/>
-              <a:t>在上一步，我们得到了每一帧对应的一个 </a:t>
-            </a:r>
-            <a:r>
-              <a:rPr lang="en-US" altLang="zh-CN" dirty="0"/>
-              <a:t>24 </a:t>
-            </a:r>
-            <a:r>
-              <a:rPr lang="zh-CN" altLang="en-US" dirty="0"/>
-              <a:t>维特征向量。而一段音频可能有成百上千 帧，我们需要对其进行聚类，得到音频级别的特征。具体做法是： </a:t>
-            </a:r>
-          </a:p>
-          <a:p>
-            <a:r>
-              <a:rPr lang="en-US" altLang="zh-CN" dirty="0"/>
-              <a:t>1</a:t>
-            </a:r>
-            <a:r>
-              <a:rPr lang="zh-CN" altLang="en-US" dirty="0"/>
-              <a:t>）将一段音频的所有采样帧聚集在一起，在每一维度上求均值，得到一个质心。 </a:t>
-            </a:r>
-            <a:r>
-              <a:rPr lang="en-US" altLang="zh-CN" dirty="0"/>
-              <a:t>2</a:t>
-            </a:r>
-            <a:r>
-              <a:rPr lang="zh-CN" altLang="en-US" dirty="0"/>
-              <a:t>）对质心进行 </a:t>
-            </a:r>
-            <a:r>
-              <a:rPr lang="en-US" altLang="zh-CN" dirty="0"/>
-              <a:t>2 </a:t>
-            </a:r>
-            <a:r>
-              <a:rPr lang="zh-CN" altLang="en-US" dirty="0"/>
-              <a:t>分裂：每一维度乘以 </a:t>
-            </a:r>
-            <a:r>
-              <a:rPr lang="en-US" altLang="zh-CN" dirty="0"/>
+              <a:t>：每一维度乘</a:t>
+            </a:r>
+            <a:r>
+              <a:rPr lang="zh-CN" altLang="en-US" dirty="0" smtClean="0"/>
+              <a:t>以</a:t>
+            </a:r>
+            <a:r>
+              <a:rPr lang="en-US" altLang="zh-CN" dirty="0" smtClean="0"/>
               <a:t>1+e</a:t>
             </a:r>
             <a:r>
@@ -7964,39 +8917,27 @@
             </a:r>
             <a:r>
               <a:rPr lang="zh-CN" altLang="en-US" dirty="0"/>
-              <a:t>，得到两个质心 </a:t>
-            </a:r>
-            <a:r>
-              <a:rPr lang="en-US" altLang="zh-CN" dirty="0"/>
-              <a:t>3</a:t>
+              <a:t>，得到两个</a:t>
+            </a:r>
+            <a:r>
+              <a:rPr lang="zh-CN" altLang="en-US" dirty="0" smtClean="0"/>
+              <a:t>质心</a:t>
+            </a:r>
+            <a:endParaRPr lang="en-US" altLang="zh-CN" dirty="0" smtClean="0"/>
+          </a:p>
+          <a:p>
+            <a:pPr lvl="1"/>
+            <a:r>
+              <a:rPr lang="zh-CN" altLang="en-US" dirty="0" smtClean="0"/>
+              <a:t>重新</a:t>
             </a:r>
             <a:r>
               <a:rPr lang="zh-CN" altLang="en-US" dirty="0"/>
-              <a:t>）重新计算各点到质心的距离，调整质心 </a:t>
-            </a:r>
-            <a:r>
-              <a:rPr lang="en-US" altLang="zh-CN" dirty="0"/>
-              <a:t>4</a:t>
-            </a:r>
-            <a:r>
-              <a:rPr lang="zh-CN" altLang="en-US" dirty="0"/>
-              <a:t>）持续分裂直至质心数量达到 </a:t>
-            </a:r>
-            <a:r>
-              <a:rPr lang="en-US" altLang="zh-CN" dirty="0"/>
-              <a:t>64</a:t>
-            </a:r>
-            <a:r>
-              <a:rPr lang="zh-CN" altLang="en-US" dirty="0"/>
-              <a:t>（在音频转文本部分，我们选择质心数为 </a:t>
-            </a:r>
-            <a:r>
-              <a:rPr lang="en-US" altLang="zh-CN" dirty="0"/>
-              <a:t>16</a:t>
-            </a:r>
-            <a:r>
-              <a:rPr lang="zh-CN" altLang="en-US" dirty="0"/>
-              <a:t>） </a:t>
+              <a:t>计算各点到质心的距离，调整</a:t>
+            </a:r>
+            <a:r>
+              <a:rPr lang="zh-CN" altLang="en-US" dirty="0" smtClean="0"/>
+              <a:t>质心</a:t>
             </a:r>
             <a:endParaRPr lang="zh-CN" altLang="en-US" dirty="0"/>
           </a:p>
@@ -8128,17 +9069,139 @@
           <a:bodyPr/>
           <a:lstStyle/>
           <a:p>
+            <a:pPr marL="0" indent="0">
+              <a:buNone/>
+            </a:pPr>
             <a:r>
               <a:rPr lang="zh-CN" altLang="en-US" dirty="0"/>
-              <a:t>在训练部分，我们对每个讲话人提取了属于各人的特征。在匹配时，我们首先对输入音 频进行分段，对每一段，同样提取特征，并根据该特征到讲话人特征的欧式距离远近，取距 离最近的人作为该段话的分类结果。 在音频转文本实验中，我们也采取了类似的办法。在训练时，我们首先在 </a:t>
-            </a:r>
+              <a:t>我们调用</a:t>
+            </a:r>
+            <a:r>
+              <a:rPr lang="zh-CN" altLang="en-US" dirty="0" smtClean="0"/>
+              <a:t>了百度语音的</a:t>
+            </a:r>
+            <a:r>
+              <a:rPr lang="en-US" altLang="zh-CN" dirty="0" smtClean="0"/>
+              <a:t>REST API</a:t>
+            </a:r>
+            <a:r>
+              <a:rPr lang="zh-CN" altLang="en-US" dirty="0" smtClean="0"/>
+              <a:t>进行语音识别，通过调用百度接口，上传一段采样率</a:t>
+            </a:r>
+            <a:r>
+              <a:rPr lang="en-US" altLang="zh-CN" dirty="0" smtClean="0"/>
+              <a:t>8000</a:t>
+            </a:r>
+            <a:r>
+              <a:rPr lang="zh-CN" altLang="en-US" dirty="0" smtClean="0"/>
+              <a:t>，单声道的</a:t>
+            </a:r>
+            <a:r>
+              <a:rPr lang="en-US" altLang="zh-CN" dirty="0" smtClean="0"/>
+              <a:t>wav</a:t>
+            </a:r>
+            <a:r>
+              <a:rPr lang="zh-CN" altLang="en-US" dirty="0" smtClean="0"/>
+              <a:t>文件，可以收到语音对应的文字，正确率的话，基本与原语音一致。</a:t>
+            </a:r>
+            <a:endParaRPr lang="en-US" altLang="zh-CN" dirty="0" smtClean="0"/>
+          </a:p>
+          <a:p>
+            <a:pPr marL="0" indent="0">
+              <a:buNone/>
+            </a:pPr>
+            <a:endParaRPr lang="en-US" altLang="zh-CN" dirty="0"/>
+          </a:p>
+          <a:p>
+            <a:pPr marL="0" indent="0">
+              <a:buNone/>
+            </a:pPr>
+            <a:r>
+              <a:rPr lang="zh-CN" altLang="en-US" dirty="0" smtClean="0"/>
+              <a:t>其他尝试：</a:t>
+            </a:r>
+            <a:endParaRPr lang="en-US" altLang="zh-CN" dirty="0" smtClean="0"/>
+          </a:p>
+          <a:p>
+            <a:pPr marL="0" indent="0">
+              <a:buNone/>
+            </a:pPr>
+            <a:r>
+              <a:rPr lang="en-US" altLang="zh-CN" dirty="0" smtClean="0"/>
+              <a:t>IBM Watson </a:t>
+            </a:r>
+            <a:r>
+              <a:rPr lang="en-US" altLang="zh-CN" dirty="0" err="1" smtClean="0"/>
+              <a:t>SpeechToText</a:t>
+            </a:r>
+            <a:r>
+              <a:rPr lang="zh-CN" altLang="en-US" dirty="0"/>
+              <a:t>网站（支持多种语言） ：</a:t>
+            </a:r>
+            <a:endParaRPr lang="en-US" altLang="zh-CN" dirty="0" smtClean="0"/>
+          </a:p>
+          <a:p>
+            <a:pPr marL="0" indent="0">
+              <a:buNone/>
+            </a:pPr>
+            <a:r>
+              <a:rPr lang="en-US" altLang="zh-CN" dirty="0" smtClean="0">
+                <a:hlinkClick r:id="rId2"/>
+              </a:rPr>
+              <a:t>https</a:t>
+            </a:r>
+            <a:r>
+              <a:rPr lang="en-US" altLang="zh-CN" dirty="0">
+                <a:hlinkClick r:id="rId2"/>
+              </a:rPr>
+              <a:t>://</a:t>
+            </a:r>
+            <a:r>
+              <a:rPr lang="en-US" altLang="zh-CN" dirty="0" smtClean="0">
+                <a:hlinkClick r:id="rId2"/>
+              </a:rPr>
+              <a:t>speech-to-text-demo.mybluemix.net</a:t>
+            </a:r>
+            <a:r>
+              <a:rPr lang="en-US" altLang="zh-CN" dirty="0" smtClean="0">
+                <a:hlinkClick r:id="rId2"/>
+              </a:rPr>
+              <a:t>/</a:t>
+            </a:r>
+            <a:endParaRPr lang="en-US" altLang="zh-CN" dirty="0" smtClean="0"/>
+          </a:p>
+          <a:p>
+            <a:pPr marL="0" indent="0">
+              <a:buNone/>
+            </a:pPr>
+            <a:r>
+              <a:rPr lang="en-US" altLang="zh-CN" dirty="0" smtClean="0"/>
+              <a:t>Google Cloud Platform</a:t>
+            </a:r>
+          </a:p>
+          <a:p>
+            <a:pPr marL="0" indent="0">
+              <a:buNone/>
+            </a:pPr>
             <a:r>
               <a:rPr lang="en-US" altLang="zh-CN" dirty="0"/>
-              <a:t>500 </a:t>
-            </a:r>
-            <a:r>
-              <a:rPr lang="zh-CN" altLang="en-US" dirty="0"/>
-              <a:t>个单词或 短语的语料库上进行特征学习。在匹配时，我们对输入音频进行更细粒度的分段，使分段结 果为单词或者短语。接着，我们对这些单词和短语在语料库中寻找距离最近的训练单词，根 据此进行单词识别。 我们再将对单词和讲话人进行一次匹配，便得到了最终的文本结果。 </a:t>
+              <a:t>Microsoft Speech </a:t>
+            </a:r>
+            <a:r>
+              <a:rPr lang="en-US" altLang="zh-CN" dirty="0" smtClean="0"/>
+              <a:t>API</a:t>
+            </a:r>
+            <a:r>
+              <a:rPr lang="zh-CN" altLang="en-US" dirty="0" smtClean="0"/>
+              <a:t>（</a:t>
+            </a:r>
+            <a:r>
+              <a:rPr lang="en-US" altLang="zh-CN" dirty="0" smtClean="0"/>
+              <a:t>SAPI</a:t>
+            </a:r>
+            <a:r>
+              <a:rPr lang="zh-CN" altLang="en-US" dirty="0" smtClean="0"/>
+              <a:t>）</a:t>
             </a:r>
             <a:endParaRPr lang="zh-CN" altLang="en-US" dirty="0"/>
           </a:p>
@@ -8240,19 +9303,6 @@
               </a:rPr>
               <a:t>结果</a:t>
             </a:r>
-            <a:r>
-              <a:rPr lang="zh-CN" altLang="en-US" dirty="0">
-                <a:ln w="0"/>
-                <a:effectLst>
-                  <a:outerShdw blurRad="38100" dist="19050" dir="2700000" algn="tl" rotWithShape="0">
-                    <a:schemeClr val="dk1">
-                      <a:alpha val="40000"/>
-                    </a:schemeClr>
-                  </a:outerShdw>
-                </a:effectLst>
-              </a:rPr>
-              <a:t/>
-            </a:r>
             <a:br>
               <a:rPr lang="zh-CN" altLang="en-US" dirty="0">
                 <a:ln w="0"/>
@@ -8303,38 +9353,63 @@
             </a:r>
             <a:r>
               <a:rPr lang="zh-CN" altLang="en-US" dirty="0"/>
-              <a:t>段音频。 分类部分，得到的分类结果为： </a:t>
-            </a:r>
-          </a:p>
-          <a:p>
+              <a:t>段音频</a:t>
+            </a:r>
+            <a:r>
+              <a:rPr lang="zh-CN" altLang="en-US" dirty="0" smtClean="0"/>
+              <a:t>。</a:t>
+            </a:r>
+            <a:endParaRPr lang="en-US" altLang="zh-CN" dirty="0" smtClean="0"/>
+          </a:p>
+          <a:p>
+            <a:endParaRPr lang="en-US" altLang="zh-CN" dirty="0"/>
+          </a:p>
+          <a:p>
+            <a:r>
+              <a:rPr lang="zh-CN" altLang="en-US" dirty="0" smtClean="0"/>
+              <a:t>分完段后，进行话者统计，共有四名话者，并将分段音频的对应话者输出至</a:t>
+            </a:r>
+            <a:r>
+              <a:rPr lang="en-US" altLang="zh-CN" dirty="0" smtClean="0"/>
+              <a:t>result</a:t>
+            </a:r>
+            <a:r>
+              <a:rPr lang="zh-CN" altLang="en-US" dirty="0" smtClean="0"/>
+              <a:t>文件。</a:t>
+            </a:r>
+            <a:endParaRPr lang="en-US" altLang="zh-CN" dirty="0" smtClean="0"/>
+          </a:p>
+          <a:p>
+            <a:endParaRPr lang="en-US" altLang="zh-CN" dirty="0"/>
+          </a:p>
+          <a:p>
+            <a:r>
+              <a:rPr lang="zh-CN" altLang="en-US" dirty="0" smtClean="0"/>
+              <a:t>通过调用</a:t>
+            </a:r>
             <a:r>
               <a:rPr lang="zh-CN" altLang="en-US" dirty="0"/>
-              <a:t>   正确率为 </a:t>
-            </a:r>
-            <a:r>
-              <a:rPr lang="en-US" altLang="zh-CN" dirty="0"/>
-              <a:t>100%</a:t>
-            </a:r>
-            <a:r>
-              <a:rPr lang="zh-CN" altLang="en-US" dirty="0"/>
-              <a:t>。基于此结果，我们完成了话者人数估计及话者识别功能。    转文本部分，我们实现了各段话对应各个讲话人的讲话记录功能。文本还原度、正确率 较高。具体请看上传文件中的实验结果部分。（</a:t>
-            </a:r>
-            <a:r>
-              <a:rPr lang="en-US" altLang="zh-CN" dirty="0"/>
-              <a:t>result/result.txt</a:t>
-            </a:r>
-            <a:r>
-              <a:rPr lang="zh-CN" altLang="en-US" dirty="0"/>
-              <a:t>，</a:t>
-            </a:r>
-            <a:r>
-              <a:rPr lang="en-US" altLang="zh-CN" dirty="0" err="1"/>
-              <a:t>output.data</a:t>
-            </a:r>
-            <a:r>
-              <a:rPr lang="zh-CN" altLang="en-US" dirty="0"/>
-              <a:t>） </a:t>
-            </a:r>
+              <a:t>百度</a:t>
+            </a:r>
+            <a:r>
+              <a:rPr lang="en-US" altLang="zh-CN" dirty="0" smtClean="0"/>
+              <a:t>API</a:t>
+            </a:r>
+            <a:r>
+              <a:rPr lang="zh-CN" altLang="en-US" dirty="0" smtClean="0"/>
+              <a:t>，将分段音频的转文字结果输出至</a:t>
+            </a:r>
+            <a:r>
+              <a:rPr lang="en-US" altLang="zh-CN" dirty="0" err="1" smtClean="0"/>
+              <a:t>json</a:t>
+            </a:r>
+            <a:r>
+              <a:rPr lang="zh-CN" altLang="en-US" dirty="0" smtClean="0"/>
+              <a:t>文件，使用网页展示出结果。</a:t>
+            </a:r>
+            <a:endParaRPr lang="en-US" altLang="zh-CN" dirty="0" smtClean="0"/>
+          </a:p>
+          <a:p>
             <a:endParaRPr lang="zh-CN" altLang="en-US" dirty="0"/>
           </a:p>
         </p:txBody>
@@ -8383,65 +9458,94 @@
       </p:grpSpPr>
       <p:sp>
         <p:nvSpPr>
-          <p:cNvPr id="4" name="矩形 3"/>
-          <p:cNvSpPr/>
-          <p:nvPr/>
-        </p:nvSpPr>
+          <p:cNvPr id="2" name="标题 1"/>
+          <p:cNvSpPr>
+            <a:spLocks noGrp="1"/>
+          </p:cNvSpPr>
+          <p:nvPr>
+            <p:ph type="title"/>
+          </p:nvPr>
+        </p:nvSpPr>
+        <p:spPr/>
+        <p:txBody>
+          <a:bodyPr/>
+          <a:lstStyle/>
+          <a:p>
+            <a:endParaRPr lang="zh-CN" altLang="en-US"/>
+          </a:p>
+        </p:txBody>
+      </p:sp>
+      <p:pic>
+        <p:nvPicPr>
+          <p:cNvPr id="4" name="内容占位符 3"/>
+          <p:cNvPicPr>
+            <a:picLocks noGrp="1" noChangeAspect="1"/>
+          </p:cNvPicPr>
+          <p:nvPr>
+            <p:ph idx="1"/>
+          </p:nvPr>
+        </p:nvPicPr>
+        <p:blipFill>
+          <a:blip r:embed="rId2">
+            <a:extLst>
+              <a:ext uri="{28A0092B-C50C-407E-A947-70E740481C1C}">
+                <a14:useLocalDpi xmlns:a14="http://schemas.microsoft.com/office/drawing/2010/main" val="0"/>
+              </a:ext>
+            </a:extLst>
+          </a:blip>
+          <a:stretch>
+            <a:fillRect/>
+          </a:stretch>
+        </p:blipFill>
         <p:spPr>
           <a:xfrm>
-            <a:off x="4798268" y="4077072"/>
-            <a:ext cx="2255747" cy="1200329"/>
+            <a:off x="1308545" y="836712"/>
+            <a:ext cx="9571736" cy="5384102"/>
           </a:xfrm>
-          <a:prstGeom prst="rect">
-            <a:avLst/>
-          </a:prstGeom>
-          <a:noFill/>
         </p:spPr>
-        <p:txBody>
-          <a:bodyPr wrap="none" lIns="91440" tIns="45720" rIns="91440" bIns="45720">
-            <a:spAutoFit/>
-          </a:bodyPr>
-          <a:lstStyle/>
-          <a:p>
-            <a:pPr algn="ctr"/>
-            <a:r>
-              <a:rPr lang="en-US" altLang="zh-CN" sz="7200" b="1" dirty="0" smtClean="0">
-                <a:ln w="9525">
-                  <a:solidFill>
-                    <a:schemeClr val="bg1"/>
-                  </a:solidFill>
-                  <a:prstDash val="solid"/>
-                </a:ln>
-                <a:effectLst>
-                  <a:outerShdw blurRad="12700" dist="38100" dir="2700000" algn="tl" rotWithShape="0">
-                    <a:schemeClr val="bg1">
-                      <a:lumMod val="50000"/>
-                    </a:schemeClr>
-                  </a:outerShdw>
-                </a:effectLst>
-                <a:latin typeface="+mn-ea"/>
-              </a:rPr>
-              <a:t>Q&amp;A</a:t>
-            </a:r>
-            <a:endParaRPr lang="zh-CN" altLang="en-US" sz="7200" b="1" dirty="0">
-              <a:ln w="9525">
-                <a:solidFill>
-                  <a:schemeClr val="bg1"/>
-                </a:solidFill>
-                <a:prstDash val="solid"/>
-              </a:ln>
-              <a:effectLst>
-                <a:outerShdw blurRad="12700" dist="38100" dir="2700000" algn="tl" rotWithShape="0">
-                  <a:schemeClr val="bg1">
-                    <a:lumMod val="50000"/>
-                  </a:schemeClr>
-                </a:outerShdw>
-              </a:effectLst>
-              <a:latin typeface="+mn-ea"/>
-            </a:endParaRPr>
-          </a:p>
-        </p:txBody>
-      </p:sp>
+      </p:pic>
+    </p:spTree>
+    <p:extLst>
+      <p:ext uri="{BB962C8B-B14F-4D97-AF65-F5344CB8AC3E}">
+        <p14:creationId xmlns:p14="http://schemas.microsoft.com/office/powerpoint/2010/main" val="489320221"/>
+      </p:ext>
+    </p:extLst>
+  </p:cSld>
+  <p:clrMapOvr>
+    <a:masterClrMapping/>
+  </p:clrMapOvr>
+  <mc:AlternateContent xmlns:mc="http://schemas.openxmlformats.org/markup-compatibility/2006" xmlns:p14="http://schemas.microsoft.com/office/powerpoint/2010/main">
+    <mc:Choice Requires="p14">
+      <p:transition spd="med" p14:dur="700">
+        <p:fade/>
+      </p:transition>
+    </mc:Choice>
+    <mc:Fallback xmlns="">
+      <p:transition spd="med">
+        <p:fade/>
+      </p:transition>
+    </mc:Fallback>
+  </mc:AlternateContent>
+</p:sld>
+</file>
+
+<file path=ppt/slides/slide8.xml><?xml version="1.0" encoding="utf-8"?>
+<p:sld xmlns:a="http://schemas.openxmlformats.org/drawingml/2006/main" xmlns:r="http://schemas.openxmlformats.org/officeDocument/2006/relationships" xmlns:p="http://schemas.openxmlformats.org/presentationml/2006/main">
+  <p:cSld>
+    <p:spTree>
+      <p:nvGrpSpPr>
+        <p:cNvPr id="1" name=""/>
+        <p:cNvGrpSpPr/>
+        <p:nvPr/>
+      </p:nvGrpSpPr>
+      <p:grpSpPr>
+        <a:xfrm>
+          <a:off x="0" y="0"/>
+          <a:ext cx="0" cy="0"/>
+          <a:chOff x="0" y="0"/>
+          <a:chExt cx="0" cy="0"/>
+        </a:xfrm>
+      </p:grpSpPr>
       <p:sp>
         <p:nvSpPr>
           <p:cNvPr id="2" name="矩形 1"/>

--- a/音频小组作业展示.pptx
+++ b/音频小组作业展示.pptx
@@ -756,462 +756,6 @@
           <a:bodyPr/>
           <a:lstStyle/>
           <a:p>
-            <a:r>
-              <a:rPr lang="en-US" altLang="zh-CN" dirty="0" smtClean="0"/>
-              <a:t>1</a:t>
-            </a:r>
-            <a:r>
-              <a:rPr lang="zh-CN" altLang="en-US" dirty="0" smtClean="0"/>
-              <a:t>、音频分段 我们的音频分段算法采用的是基于静音段的分段算法。 首先，把音频中的每一秒平分成 </a:t>
-            </a:r>
-            <a:r>
-              <a:rPr lang="en-US" altLang="zh-CN" dirty="0" smtClean="0"/>
-              <a:t>100 </a:t>
-            </a:r>
-            <a:r>
-              <a:rPr lang="zh-CN" altLang="en-US" dirty="0" smtClean="0"/>
-              <a:t>帧，对于音频中的每一帧，我们定义第 </a:t>
-            </a:r>
-            <a:r>
-              <a:rPr lang="en-US" altLang="zh-CN" dirty="0" err="1" smtClean="0"/>
-              <a:t>i</a:t>
-            </a:r>
-            <a:r>
-              <a:rPr lang="en-US" altLang="zh-CN" dirty="0" smtClean="0"/>
-              <a:t> </a:t>
-            </a:r>
-            <a:r>
-              <a:rPr lang="zh-CN" altLang="en-US" dirty="0" smtClean="0"/>
-              <a:t>帧的能量 为𝐸</a:t>
-            </a:r>
-            <a:r>
-              <a:rPr lang="en-US" altLang="zh-CN" dirty="0" smtClean="0"/>
-              <a:t>(</a:t>
-            </a:r>
-            <a:r>
-              <a:rPr lang="zh-CN" altLang="en-US" dirty="0" smtClean="0"/>
-              <a:t>𝑖</a:t>
-            </a:r>
-            <a:r>
-              <a:rPr lang="en-US" altLang="zh-CN" dirty="0" smtClean="0"/>
-              <a:t>) = max⁡ (</a:t>
-            </a:r>
-            <a:r>
-              <a:rPr lang="zh-CN" altLang="en-US" dirty="0" smtClean="0"/>
-              <a:t>𝑠𝑎𝑚𝑝𝑙𝑒</a:t>
-            </a:r>
-            <a:r>
-              <a:rPr lang="en-US" altLang="zh-CN" dirty="0" smtClean="0"/>
-              <a:t>2(</a:t>
-            </a:r>
-            <a:r>
-              <a:rPr lang="zh-CN" altLang="en-US" dirty="0" smtClean="0"/>
-              <a:t>𝑘</a:t>
-            </a:r>
-            <a:r>
-              <a:rPr lang="en-US" altLang="zh-CN" dirty="0" smtClean="0"/>
-              <a:t>),</a:t>
-            </a:r>
-            <a:r>
-              <a:rPr lang="zh-CN" altLang="en-US" dirty="0" smtClean="0"/>
-              <a:t>𝑘⁡ ∈ 𝑓𝑟𝑎𝑚𝑒</a:t>
-            </a:r>
-            <a:r>
-              <a:rPr lang="en-US" altLang="zh-CN" dirty="0" smtClean="0"/>
-              <a:t>(</a:t>
-            </a:r>
-            <a:r>
-              <a:rPr lang="zh-CN" altLang="en-US" dirty="0" smtClean="0"/>
-              <a:t>𝑖</a:t>
-            </a:r>
-            <a:r>
-              <a:rPr lang="en-US" altLang="zh-CN" dirty="0" smtClean="0"/>
-              <a:t>))</a:t>
-            </a:r>
-            <a:r>
-              <a:rPr lang="zh-CN" altLang="en-US" dirty="0" smtClean="0"/>
-              <a:t>，并把满足𝐸</a:t>
-            </a:r>
-            <a:r>
-              <a:rPr lang="en-US" altLang="zh-CN" dirty="0" smtClean="0"/>
-              <a:t>(</a:t>
-            </a:r>
-            <a:r>
-              <a:rPr lang="zh-CN" altLang="en-US" dirty="0" smtClean="0"/>
-              <a:t>𝑖</a:t>
-            </a:r>
-            <a:r>
-              <a:rPr lang="en-US" altLang="zh-CN" dirty="0" smtClean="0"/>
-              <a:t>) &lt; </a:t>
-            </a:r>
-            <a:r>
-              <a:rPr lang="zh-CN" altLang="en-US" dirty="0" smtClean="0"/>
-              <a:t>𝜆的帧定义为静音帧。 然后用贪心的算法查找静音段。定义两个参数 </a:t>
-            </a:r>
-            <a:r>
-              <a:rPr lang="en-US" altLang="zh-CN" dirty="0" err="1" smtClean="0"/>
-              <a:t>minD</a:t>
-            </a:r>
-            <a:r>
-              <a:rPr lang="en-US" altLang="zh-CN" dirty="0" smtClean="0"/>
-              <a:t> </a:t>
-            </a:r>
-            <a:r>
-              <a:rPr lang="zh-CN" altLang="en-US" dirty="0" smtClean="0"/>
-              <a:t>和 </a:t>
-            </a:r>
-            <a:r>
-              <a:rPr lang="en-US" altLang="zh-CN" dirty="0" err="1" smtClean="0"/>
-              <a:t>maxI</a:t>
-            </a:r>
-            <a:r>
-              <a:rPr lang="zh-CN" altLang="en-US" dirty="0" smtClean="0"/>
-              <a:t>，其中 </a:t>
-            </a:r>
-            <a:r>
-              <a:rPr lang="en-US" altLang="zh-CN" dirty="0" err="1" smtClean="0"/>
-              <a:t>minD</a:t>
-            </a:r>
-            <a:r>
-              <a:rPr lang="en-US" altLang="zh-CN" dirty="0" smtClean="0"/>
-              <a:t> </a:t>
-            </a:r>
-            <a:r>
-              <a:rPr lang="zh-CN" altLang="en-US" dirty="0" smtClean="0"/>
-              <a:t>表示一段静音 段要求的最短长度，</a:t>
-            </a:r>
-            <a:r>
-              <a:rPr lang="en-US" altLang="zh-CN" dirty="0" err="1" smtClean="0"/>
-              <a:t>maxI</a:t>
-            </a:r>
-            <a:r>
-              <a:rPr lang="en-US" altLang="zh-CN" dirty="0" smtClean="0"/>
-              <a:t> </a:t>
-            </a:r>
-            <a:r>
-              <a:rPr lang="zh-CN" altLang="en-US" dirty="0" smtClean="0"/>
-              <a:t>表示一段静音段中可以允许的非静音帧的最大长度。贪心算法如 下： </a:t>
-            </a:r>
-            <a:r>
-              <a:rPr lang="en-US" altLang="zh-CN" dirty="0" smtClean="0"/>
-              <a:t>1</a:t>
-            </a:r>
-            <a:r>
-              <a:rPr lang="zh-CN" altLang="en-US" dirty="0" smtClean="0"/>
-              <a:t>） 按时序扫描音频，找到第一个未被处理的静音帧 </a:t>
-            </a:r>
-            <a:r>
-              <a:rPr lang="en-US" altLang="zh-CN" dirty="0" err="1" smtClean="0"/>
-              <a:t>i</a:t>
-            </a:r>
-            <a:r>
-              <a:rPr lang="en-US" altLang="zh-CN" dirty="0" smtClean="0"/>
-              <a:t> 2</a:t>
-            </a:r>
-            <a:r>
-              <a:rPr lang="zh-CN" altLang="en-US" dirty="0" smtClean="0"/>
-              <a:t>） 从静音帧 </a:t>
-            </a:r>
-            <a:r>
-              <a:rPr lang="en-US" altLang="zh-CN" dirty="0" err="1" smtClean="0"/>
-              <a:t>i</a:t>
-            </a:r>
-            <a:r>
-              <a:rPr lang="en-US" altLang="zh-CN" dirty="0" smtClean="0"/>
-              <a:t> </a:t>
-            </a:r>
-            <a:r>
-              <a:rPr lang="zh-CN" altLang="en-US" dirty="0" smtClean="0"/>
-              <a:t>开始扫描，对于每一个未被处理的帧 </a:t>
-            </a:r>
-            <a:r>
-              <a:rPr lang="en-US" altLang="zh-CN" dirty="0" smtClean="0"/>
-              <a:t>j</a:t>
-            </a:r>
-            <a:r>
-              <a:rPr lang="zh-CN" altLang="en-US" dirty="0" smtClean="0"/>
-              <a:t>，如果为静音帧，则计算到静音段 长度中，否则计算到非静音帧长度中，然后标记为已处理。扫描终止条件为到达音 频结尾或非静音帧长度达到 </a:t>
-            </a:r>
-            <a:r>
-              <a:rPr lang="en-US" altLang="zh-CN" dirty="0" err="1" smtClean="0"/>
-              <a:t>maxI</a:t>
-            </a:r>
-            <a:r>
-              <a:rPr lang="en-US" altLang="zh-CN" dirty="0" smtClean="0"/>
-              <a:t> 3</a:t>
-            </a:r>
-            <a:r>
-              <a:rPr lang="zh-CN" altLang="en-US" dirty="0" smtClean="0"/>
-              <a:t>） 判断从静音帧 </a:t>
-            </a:r>
-            <a:r>
-              <a:rPr lang="en-US" altLang="zh-CN" dirty="0" smtClean="0"/>
-              <a:t>I </a:t>
-            </a:r>
-            <a:r>
-              <a:rPr lang="zh-CN" altLang="en-US" dirty="0" smtClean="0"/>
-              <a:t>开始的静音段是否满足最短长度 </a:t>
-            </a:r>
-            <a:r>
-              <a:rPr lang="en-US" altLang="zh-CN" dirty="0" err="1" smtClean="0"/>
-              <a:t>minD</a:t>
-            </a:r>
-            <a:r>
-              <a:rPr lang="zh-CN" altLang="en-US" dirty="0" smtClean="0"/>
-              <a:t>，若是则记录为静音段 最后将音频根据计算得到的静音段划分出与语音段。 参考文献</a:t>
-            </a:r>
-            <a:r>
-              <a:rPr lang="en-US" altLang="zh-CN" dirty="0" smtClean="0"/>
-              <a:t>[Pause concepts for audio segmentation at different semantic levels, Silvia, 2001] </a:t>
-            </a:r>
-          </a:p>
-          <a:p>
-            <a:r>
-              <a:rPr lang="en-US" altLang="zh-CN" dirty="0" smtClean="0"/>
-              <a:t> </a:t>
-            </a:r>
-          </a:p>
-          <a:p>
-            <a:r>
-              <a:rPr lang="en-US" altLang="zh-CN" dirty="0" smtClean="0"/>
-              <a:t>2</a:t>
-            </a:r>
-            <a:r>
-              <a:rPr lang="zh-CN" altLang="en-US" dirty="0" smtClean="0"/>
-              <a:t>、</a:t>
-            </a:r>
-            <a:r>
-              <a:rPr lang="en-US" altLang="zh-CN" dirty="0" smtClean="0"/>
-              <a:t>MFCC </a:t>
-            </a:r>
-            <a:r>
-              <a:rPr lang="zh-CN" altLang="en-US" dirty="0" smtClean="0"/>
-              <a:t>特征提取  我们将音频分段后，单独对每一段提取一个 </a:t>
-            </a:r>
-            <a:r>
-              <a:rPr lang="en-US" altLang="zh-CN" dirty="0" err="1" smtClean="0"/>
-              <a:t>mfcc</a:t>
-            </a:r>
-            <a:r>
-              <a:rPr lang="en-US" altLang="zh-CN" dirty="0" smtClean="0"/>
-              <a:t> </a:t>
-            </a:r>
-            <a:r>
-              <a:rPr lang="zh-CN" altLang="en-US" dirty="0" smtClean="0"/>
-              <a:t>特征，具体步骤如下： </a:t>
-            </a:r>
-            <a:r>
-              <a:rPr lang="en-US" altLang="zh-CN" dirty="0" smtClean="0"/>
-              <a:t>1</a:t>
-            </a:r>
-            <a:r>
-              <a:rPr lang="zh-CN" altLang="en-US" dirty="0" smtClean="0"/>
-              <a:t>）对音频进行分帧操作：取帧长为 </a:t>
-            </a:r>
-            <a:r>
-              <a:rPr lang="en-US" altLang="zh-CN" dirty="0" smtClean="0"/>
-              <a:t>256</a:t>
-            </a:r>
-            <a:r>
-              <a:rPr lang="zh-CN" altLang="en-US" dirty="0" smtClean="0"/>
-              <a:t>，步长为 </a:t>
-            </a:r>
-            <a:r>
-              <a:rPr lang="en-US" altLang="zh-CN" dirty="0" smtClean="0"/>
-              <a:t>128</a:t>
-            </a:r>
-            <a:r>
-              <a:rPr lang="zh-CN" altLang="en-US" dirty="0" smtClean="0"/>
-              <a:t>； </a:t>
-            </a:r>
-            <a:r>
-              <a:rPr lang="en-US" altLang="zh-CN" dirty="0" smtClean="0"/>
-              <a:t>2</a:t>
-            </a:r>
-            <a:r>
-              <a:rPr lang="zh-CN" altLang="en-US" dirty="0" smtClean="0"/>
-              <a:t>）对每帧数据提取出一个 </a:t>
-            </a:r>
-            <a:r>
-              <a:rPr lang="en-US" altLang="zh-CN" dirty="0" smtClean="0"/>
-              <a:t>12 </a:t>
-            </a:r>
-            <a:r>
-              <a:rPr lang="zh-CN" altLang="en-US" dirty="0" smtClean="0"/>
-              <a:t>维的 </a:t>
-            </a:r>
-            <a:r>
-              <a:rPr lang="en-US" altLang="zh-CN" dirty="0" err="1" smtClean="0"/>
-              <a:t>mfcc</a:t>
-            </a:r>
-            <a:r>
-              <a:rPr lang="en-US" altLang="zh-CN" dirty="0" smtClean="0"/>
-              <a:t> </a:t>
-            </a:r>
-            <a:r>
-              <a:rPr lang="zh-CN" altLang="en-US" dirty="0" smtClean="0"/>
-              <a:t>特征向量； </a:t>
-            </a:r>
-            <a:r>
-              <a:rPr lang="en-US" altLang="zh-CN" dirty="0" smtClean="0"/>
-              <a:t>3</a:t>
-            </a:r>
-            <a:r>
-              <a:rPr lang="zh-CN" altLang="en-US" dirty="0" smtClean="0"/>
-              <a:t>）计算每个向量的一阶差分，和原有向量组合得到 </a:t>
-            </a:r>
-            <a:r>
-              <a:rPr lang="en-US" altLang="zh-CN" dirty="0" smtClean="0"/>
-              <a:t>24 </a:t>
-            </a:r>
-            <a:r>
-              <a:rPr lang="zh-CN" altLang="en-US" dirty="0" smtClean="0"/>
-              <a:t>维特征向量； 这一过程的具体代码参考了</a:t>
-            </a:r>
-            <a:r>
-              <a:rPr lang="en-US" altLang="zh-CN" dirty="0" smtClean="0"/>
-              <a:t>[2]</a:t>
-            </a:r>
-            <a:r>
-              <a:rPr lang="zh-CN" altLang="en-US" dirty="0" smtClean="0"/>
-              <a:t>以及</a:t>
-            </a:r>
-            <a:r>
-              <a:rPr lang="en-US" altLang="zh-CN" dirty="0" smtClean="0"/>
-              <a:t>[3]</a:t>
-            </a:r>
-            <a:r>
-              <a:rPr lang="zh-CN" altLang="en-US" dirty="0" smtClean="0"/>
-              <a:t>。 </a:t>
-            </a:r>
-          </a:p>
-          <a:p>
-            <a:r>
-              <a:rPr lang="zh-CN" altLang="en-US" dirty="0" smtClean="0"/>
-              <a:t> </a:t>
-            </a:r>
-          </a:p>
-          <a:p>
-            <a:r>
-              <a:rPr lang="en-US" altLang="zh-CN" dirty="0" smtClean="0"/>
-              <a:t>3</a:t>
-            </a:r>
-            <a:r>
-              <a:rPr lang="zh-CN" altLang="en-US" dirty="0" smtClean="0"/>
-              <a:t>、音频特征生成 在上一步，我们得到了每一帧对应的一个 </a:t>
-            </a:r>
-            <a:r>
-              <a:rPr lang="en-US" altLang="zh-CN" dirty="0" smtClean="0"/>
-              <a:t>24 </a:t>
-            </a:r>
-            <a:r>
-              <a:rPr lang="zh-CN" altLang="en-US" dirty="0" smtClean="0"/>
-              <a:t>维特征向量。而一段音频可能有成百上千 帧，我们需要对其进行聚类，得到音频级别的特征。具体做法是： </a:t>
-            </a:r>
-          </a:p>
-          <a:p>
-            <a:r>
-              <a:rPr lang="en-US" altLang="zh-CN" dirty="0" smtClean="0"/>
-              <a:t>1</a:t>
-            </a:r>
-            <a:r>
-              <a:rPr lang="zh-CN" altLang="en-US" dirty="0" smtClean="0"/>
-              <a:t>）将一段音频的所有采样帧聚集在一起，在每一维度上求均值，得到一个质心。 </a:t>
-            </a:r>
-            <a:r>
-              <a:rPr lang="en-US" altLang="zh-CN" dirty="0" smtClean="0"/>
-              <a:t>2</a:t>
-            </a:r>
-            <a:r>
-              <a:rPr lang="zh-CN" altLang="en-US" dirty="0" smtClean="0"/>
-              <a:t>）对质心进行 </a:t>
-            </a:r>
-            <a:r>
-              <a:rPr lang="en-US" altLang="zh-CN" dirty="0" smtClean="0"/>
-              <a:t>2 </a:t>
-            </a:r>
-            <a:r>
-              <a:rPr lang="zh-CN" altLang="en-US" dirty="0" smtClean="0"/>
-              <a:t>分裂：每一维度乘以 </a:t>
-            </a:r>
-            <a:r>
-              <a:rPr lang="en-US" altLang="zh-CN" dirty="0" smtClean="0"/>
-              <a:t>1+e</a:t>
-            </a:r>
-            <a:r>
-              <a:rPr lang="zh-CN" altLang="en-US" dirty="0" smtClean="0"/>
-              <a:t>、</a:t>
-            </a:r>
-            <a:r>
-              <a:rPr lang="en-US" altLang="zh-CN" dirty="0" smtClean="0"/>
-              <a:t>1-e</a:t>
-            </a:r>
-            <a:r>
-              <a:rPr lang="zh-CN" altLang="en-US" dirty="0" smtClean="0"/>
-              <a:t>，得到两个质心 </a:t>
-            </a:r>
-            <a:r>
-              <a:rPr lang="en-US" altLang="zh-CN" dirty="0" smtClean="0"/>
-              <a:t>3</a:t>
-            </a:r>
-            <a:r>
-              <a:rPr lang="zh-CN" altLang="en-US" dirty="0" smtClean="0"/>
-              <a:t>）重新计算各点到质心的距离，调整质心 </a:t>
-            </a:r>
-            <a:r>
-              <a:rPr lang="en-US" altLang="zh-CN" dirty="0" smtClean="0"/>
-              <a:t>4</a:t>
-            </a:r>
-            <a:r>
-              <a:rPr lang="zh-CN" altLang="en-US" dirty="0" smtClean="0"/>
-              <a:t>）持续分裂直至质心数量达到 </a:t>
-            </a:r>
-            <a:r>
-              <a:rPr lang="en-US" altLang="zh-CN" dirty="0" smtClean="0"/>
-              <a:t>64</a:t>
-            </a:r>
-            <a:r>
-              <a:rPr lang="zh-CN" altLang="en-US" dirty="0" smtClean="0"/>
-              <a:t>（在音频转文本部分，我们选择质心数为 </a:t>
-            </a:r>
-            <a:r>
-              <a:rPr lang="en-US" altLang="zh-CN" dirty="0" smtClean="0"/>
-              <a:t>16</a:t>
-            </a:r>
-            <a:r>
-              <a:rPr lang="zh-CN" altLang="en-US" dirty="0" smtClean="0"/>
-              <a:t>） </a:t>
-            </a:r>
-          </a:p>
-          <a:p>
-            <a:r>
-              <a:rPr lang="zh-CN" altLang="en-US" dirty="0" smtClean="0"/>
-              <a:t> </a:t>
-            </a:r>
-          </a:p>
-          <a:p>
-            <a:r>
-              <a:rPr lang="en-US" altLang="zh-CN" dirty="0" smtClean="0"/>
-              <a:t>4</a:t>
-            </a:r>
-            <a:r>
-              <a:rPr lang="zh-CN" altLang="en-US" dirty="0" smtClean="0"/>
-              <a:t>、音频识别与匹配   在训练部分，我们对每个讲话人提取了属于各人的特征。在匹配时，我们首先对输入音 频进行分段，对每一段，同样提取特征，并根据该特征到讲话人特征的欧式距离远近，取距 离最近的人作为该段话的分类结果。 在音频转文本实验中，我们也采取了类似的办法。在训练时，我们首先在 </a:t>
-            </a:r>
-            <a:r>
-              <a:rPr lang="en-US" altLang="zh-CN" dirty="0" smtClean="0"/>
-              <a:t>500 </a:t>
-            </a:r>
-            <a:r>
-              <a:rPr lang="zh-CN" altLang="en-US" dirty="0" smtClean="0"/>
-              <a:t>个单词或 短语的语料库上进行特征学习。在匹配时，我们对输入音频进行更细粒度的分段，使分段结 果为单词或者短语。接着，我们对这些单词和短语在语料库中寻找距离最近的训练单词，根 据此进行单词识别。 我们再将对单词和讲话人进行一次匹配，便得到了最终的文本结果。 </a:t>
-            </a:r>
-          </a:p>
-          <a:p>
-            <a:r>
-              <a:rPr lang="zh-CN" altLang="en-US" dirty="0" smtClean="0"/>
-              <a:t> </a:t>
-            </a:r>
             <a:endParaRPr lang="zh-CN" altLang="en-US" dirty="0"/>
           </a:p>
         </p:txBody>
@@ -1296,462 +840,6 @@
           <a:bodyPr/>
           <a:lstStyle/>
           <a:p>
-            <a:r>
-              <a:rPr lang="en-US" altLang="zh-CN" dirty="0" smtClean="0"/>
-              <a:t>1</a:t>
-            </a:r>
-            <a:r>
-              <a:rPr lang="zh-CN" altLang="en-US" dirty="0" smtClean="0"/>
-              <a:t>、音频分段 我们的音频分段算法采用的是基于静音段的分段算法。 首先，把音频中的每一秒平分成 </a:t>
-            </a:r>
-            <a:r>
-              <a:rPr lang="en-US" altLang="zh-CN" dirty="0" smtClean="0"/>
-              <a:t>100 </a:t>
-            </a:r>
-            <a:r>
-              <a:rPr lang="zh-CN" altLang="en-US" dirty="0" smtClean="0"/>
-              <a:t>帧，对于音频中的每一帧，我们定义第 </a:t>
-            </a:r>
-            <a:r>
-              <a:rPr lang="en-US" altLang="zh-CN" dirty="0" err="1" smtClean="0"/>
-              <a:t>i</a:t>
-            </a:r>
-            <a:r>
-              <a:rPr lang="en-US" altLang="zh-CN" dirty="0" smtClean="0"/>
-              <a:t> </a:t>
-            </a:r>
-            <a:r>
-              <a:rPr lang="zh-CN" altLang="en-US" dirty="0" smtClean="0"/>
-              <a:t>帧的能量 为𝐸</a:t>
-            </a:r>
-            <a:r>
-              <a:rPr lang="en-US" altLang="zh-CN" dirty="0" smtClean="0"/>
-              <a:t>(</a:t>
-            </a:r>
-            <a:r>
-              <a:rPr lang="zh-CN" altLang="en-US" dirty="0" smtClean="0"/>
-              <a:t>𝑖</a:t>
-            </a:r>
-            <a:r>
-              <a:rPr lang="en-US" altLang="zh-CN" dirty="0" smtClean="0"/>
-              <a:t>) = max⁡ (</a:t>
-            </a:r>
-            <a:r>
-              <a:rPr lang="zh-CN" altLang="en-US" dirty="0" smtClean="0"/>
-              <a:t>𝑠𝑎𝑚𝑝𝑙𝑒</a:t>
-            </a:r>
-            <a:r>
-              <a:rPr lang="en-US" altLang="zh-CN" dirty="0" smtClean="0"/>
-              <a:t>2(</a:t>
-            </a:r>
-            <a:r>
-              <a:rPr lang="zh-CN" altLang="en-US" dirty="0" smtClean="0"/>
-              <a:t>𝑘</a:t>
-            </a:r>
-            <a:r>
-              <a:rPr lang="en-US" altLang="zh-CN" dirty="0" smtClean="0"/>
-              <a:t>),</a:t>
-            </a:r>
-            <a:r>
-              <a:rPr lang="zh-CN" altLang="en-US" dirty="0" smtClean="0"/>
-              <a:t>𝑘⁡ ∈ 𝑓𝑟𝑎𝑚𝑒</a:t>
-            </a:r>
-            <a:r>
-              <a:rPr lang="en-US" altLang="zh-CN" dirty="0" smtClean="0"/>
-              <a:t>(</a:t>
-            </a:r>
-            <a:r>
-              <a:rPr lang="zh-CN" altLang="en-US" dirty="0" smtClean="0"/>
-              <a:t>𝑖</a:t>
-            </a:r>
-            <a:r>
-              <a:rPr lang="en-US" altLang="zh-CN" dirty="0" smtClean="0"/>
-              <a:t>))</a:t>
-            </a:r>
-            <a:r>
-              <a:rPr lang="zh-CN" altLang="en-US" dirty="0" smtClean="0"/>
-              <a:t>，并把满足𝐸</a:t>
-            </a:r>
-            <a:r>
-              <a:rPr lang="en-US" altLang="zh-CN" dirty="0" smtClean="0"/>
-              <a:t>(</a:t>
-            </a:r>
-            <a:r>
-              <a:rPr lang="zh-CN" altLang="en-US" dirty="0" smtClean="0"/>
-              <a:t>𝑖</a:t>
-            </a:r>
-            <a:r>
-              <a:rPr lang="en-US" altLang="zh-CN" dirty="0" smtClean="0"/>
-              <a:t>) &lt; </a:t>
-            </a:r>
-            <a:r>
-              <a:rPr lang="zh-CN" altLang="en-US" dirty="0" smtClean="0"/>
-              <a:t>𝜆的帧定义为静音帧。 然后用贪心的算法查找静音段。定义两个参数 </a:t>
-            </a:r>
-            <a:r>
-              <a:rPr lang="en-US" altLang="zh-CN" dirty="0" err="1" smtClean="0"/>
-              <a:t>minD</a:t>
-            </a:r>
-            <a:r>
-              <a:rPr lang="en-US" altLang="zh-CN" dirty="0" smtClean="0"/>
-              <a:t> </a:t>
-            </a:r>
-            <a:r>
-              <a:rPr lang="zh-CN" altLang="en-US" dirty="0" smtClean="0"/>
-              <a:t>和 </a:t>
-            </a:r>
-            <a:r>
-              <a:rPr lang="en-US" altLang="zh-CN" dirty="0" err="1" smtClean="0"/>
-              <a:t>maxI</a:t>
-            </a:r>
-            <a:r>
-              <a:rPr lang="zh-CN" altLang="en-US" dirty="0" smtClean="0"/>
-              <a:t>，其中 </a:t>
-            </a:r>
-            <a:r>
-              <a:rPr lang="en-US" altLang="zh-CN" dirty="0" err="1" smtClean="0"/>
-              <a:t>minD</a:t>
-            </a:r>
-            <a:r>
-              <a:rPr lang="en-US" altLang="zh-CN" dirty="0" smtClean="0"/>
-              <a:t> </a:t>
-            </a:r>
-            <a:r>
-              <a:rPr lang="zh-CN" altLang="en-US" dirty="0" smtClean="0"/>
-              <a:t>表示一段静音 段要求的最短长度，</a:t>
-            </a:r>
-            <a:r>
-              <a:rPr lang="en-US" altLang="zh-CN" dirty="0" err="1" smtClean="0"/>
-              <a:t>maxI</a:t>
-            </a:r>
-            <a:r>
-              <a:rPr lang="en-US" altLang="zh-CN" dirty="0" smtClean="0"/>
-              <a:t> </a:t>
-            </a:r>
-            <a:r>
-              <a:rPr lang="zh-CN" altLang="en-US" dirty="0" smtClean="0"/>
-              <a:t>表示一段静音段中可以允许的非静音帧的最大长度。贪心算法如 下： </a:t>
-            </a:r>
-            <a:r>
-              <a:rPr lang="en-US" altLang="zh-CN" dirty="0" smtClean="0"/>
-              <a:t>1</a:t>
-            </a:r>
-            <a:r>
-              <a:rPr lang="zh-CN" altLang="en-US" dirty="0" smtClean="0"/>
-              <a:t>） 按时序扫描音频，找到第一个未被处理的静音帧 </a:t>
-            </a:r>
-            <a:r>
-              <a:rPr lang="en-US" altLang="zh-CN" dirty="0" err="1" smtClean="0"/>
-              <a:t>i</a:t>
-            </a:r>
-            <a:r>
-              <a:rPr lang="en-US" altLang="zh-CN" dirty="0" smtClean="0"/>
-              <a:t> 2</a:t>
-            </a:r>
-            <a:r>
-              <a:rPr lang="zh-CN" altLang="en-US" dirty="0" smtClean="0"/>
-              <a:t>） 从静音帧 </a:t>
-            </a:r>
-            <a:r>
-              <a:rPr lang="en-US" altLang="zh-CN" dirty="0" err="1" smtClean="0"/>
-              <a:t>i</a:t>
-            </a:r>
-            <a:r>
-              <a:rPr lang="en-US" altLang="zh-CN" dirty="0" smtClean="0"/>
-              <a:t> </a:t>
-            </a:r>
-            <a:r>
-              <a:rPr lang="zh-CN" altLang="en-US" dirty="0" smtClean="0"/>
-              <a:t>开始扫描，对于每一个未被处理的帧 </a:t>
-            </a:r>
-            <a:r>
-              <a:rPr lang="en-US" altLang="zh-CN" dirty="0" smtClean="0"/>
-              <a:t>j</a:t>
-            </a:r>
-            <a:r>
-              <a:rPr lang="zh-CN" altLang="en-US" dirty="0" smtClean="0"/>
-              <a:t>，如果为静音帧，则计算到静音段 长度中，否则计算到非静音帧长度中，然后标记为已处理。扫描终止条件为到达音 频结尾或非静音帧长度达到 </a:t>
-            </a:r>
-            <a:r>
-              <a:rPr lang="en-US" altLang="zh-CN" dirty="0" err="1" smtClean="0"/>
-              <a:t>maxI</a:t>
-            </a:r>
-            <a:r>
-              <a:rPr lang="en-US" altLang="zh-CN" dirty="0" smtClean="0"/>
-              <a:t> 3</a:t>
-            </a:r>
-            <a:r>
-              <a:rPr lang="zh-CN" altLang="en-US" dirty="0" smtClean="0"/>
-              <a:t>） 判断从静音帧 </a:t>
-            </a:r>
-            <a:r>
-              <a:rPr lang="en-US" altLang="zh-CN" dirty="0" smtClean="0"/>
-              <a:t>I </a:t>
-            </a:r>
-            <a:r>
-              <a:rPr lang="zh-CN" altLang="en-US" dirty="0" smtClean="0"/>
-              <a:t>开始的静音段是否满足最短长度 </a:t>
-            </a:r>
-            <a:r>
-              <a:rPr lang="en-US" altLang="zh-CN" dirty="0" err="1" smtClean="0"/>
-              <a:t>minD</a:t>
-            </a:r>
-            <a:r>
-              <a:rPr lang="zh-CN" altLang="en-US" dirty="0" smtClean="0"/>
-              <a:t>，若是则记录为静音段 最后将音频根据计算得到的静音段划分出与语音段。 参考文献</a:t>
-            </a:r>
-            <a:r>
-              <a:rPr lang="en-US" altLang="zh-CN" dirty="0" smtClean="0"/>
-              <a:t>[Pause concepts for audio segmentation at different semantic levels, Silvia, 2001] </a:t>
-            </a:r>
-          </a:p>
-          <a:p>
-            <a:r>
-              <a:rPr lang="en-US" altLang="zh-CN" dirty="0" smtClean="0"/>
-              <a:t> </a:t>
-            </a:r>
-          </a:p>
-          <a:p>
-            <a:r>
-              <a:rPr lang="en-US" altLang="zh-CN" dirty="0" smtClean="0"/>
-              <a:t>2</a:t>
-            </a:r>
-            <a:r>
-              <a:rPr lang="zh-CN" altLang="en-US" dirty="0" smtClean="0"/>
-              <a:t>、</a:t>
-            </a:r>
-            <a:r>
-              <a:rPr lang="en-US" altLang="zh-CN" dirty="0" smtClean="0"/>
-              <a:t>MFCC </a:t>
-            </a:r>
-            <a:r>
-              <a:rPr lang="zh-CN" altLang="en-US" dirty="0" smtClean="0"/>
-              <a:t>特征提取  我们将音频分段后，单独对每一段提取一个 </a:t>
-            </a:r>
-            <a:r>
-              <a:rPr lang="en-US" altLang="zh-CN" dirty="0" err="1" smtClean="0"/>
-              <a:t>mfcc</a:t>
-            </a:r>
-            <a:r>
-              <a:rPr lang="en-US" altLang="zh-CN" dirty="0" smtClean="0"/>
-              <a:t> </a:t>
-            </a:r>
-            <a:r>
-              <a:rPr lang="zh-CN" altLang="en-US" dirty="0" smtClean="0"/>
-              <a:t>特征，具体步骤如下： </a:t>
-            </a:r>
-            <a:r>
-              <a:rPr lang="en-US" altLang="zh-CN" dirty="0" smtClean="0"/>
-              <a:t>1</a:t>
-            </a:r>
-            <a:r>
-              <a:rPr lang="zh-CN" altLang="en-US" dirty="0" smtClean="0"/>
-              <a:t>）对音频进行分帧操作：取帧长为 </a:t>
-            </a:r>
-            <a:r>
-              <a:rPr lang="en-US" altLang="zh-CN" dirty="0" smtClean="0"/>
-              <a:t>256</a:t>
-            </a:r>
-            <a:r>
-              <a:rPr lang="zh-CN" altLang="en-US" dirty="0" smtClean="0"/>
-              <a:t>，步长为 </a:t>
-            </a:r>
-            <a:r>
-              <a:rPr lang="en-US" altLang="zh-CN" dirty="0" smtClean="0"/>
-              <a:t>128</a:t>
-            </a:r>
-            <a:r>
-              <a:rPr lang="zh-CN" altLang="en-US" dirty="0" smtClean="0"/>
-              <a:t>； </a:t>
-            </a:r>
-            <a:r>
-              <a:rPr lang="en-US" altLang="zh-CN" dirty="0" smtClean="0"/>
-              <a:t>2</a:t>
-            </a:r>
-            <a:r>
-              <a:rPr lang="zh-CN" altLang="en-US" dirty="0" smtClean="0"/>
-              <a:t>）对每帧数据提取出一个 </a:t>
-            </a:r>
-            <a:r>
-              <a:rPr lang="en-US" altLang="zh-CN" dirty="0" smtClean="0"/>
-              <a:t>12 </a:t>
-            </a:r>
-            <a:r>
-              <a:rPr lang="zh-CN" altLang="en-US" dirty="0" smtClean="0"/>
-              <a:t>维的 </a:t>
-            </a:r>
-            <a:r>
-              <a:rPr lang="en-US" altLang="zh-CN" dirty="0" err="1" smtClean="0"/>
-              <a:t>mfcc</a:t>
-            </a:r>
-            <a:r>
-              <a:rPr lang="en-US" altLang="zh-CN" dirty="0" smtClean="0"/>
-              <a:t> </a:t>
-            </a:r>
-            <a:r>
-              <a:rPr lang="zh-CN" altLang="en-US" dirty="0" smtClean="0"/>
-              <a:t>特征向量； </a:t>
-            </a:r>
-            <a:r>
-              <a:rPr lang="en-US" altLang="zh-CN" dirty="0" smtClean="0"/>
-              <a:t>3</a:t>
-            </a:r>
-            <a:r>
-              <a:rPr lang="zh-CN" altLang="en-US" dirty="0" smtClean="0"/>
-              <a:t>）计算每个向量的一阶差分，和原有向量组合得到 </a:t>
-            </a:r>
-            <a:r>
-              <a:rPr lang="en-US" altLang="zh-CN" dirty="0" smtClean="0"/>
-              <a:t>24 </a:t>
-            </a:r>
-            <a:r>
-              <a:rPr lang="zh-CN" altLang="en-US" dirty="0" smtClean="0"/>
-              <a:t>维特征向量； 这一过程的具体代码参考了</a:t>
-            </a:r>
-            <a:r>
-              <a:rPr lang="en-US" altLang="zh-CN" dirty="0" smtClean="0"/>
-              <a:t>[2]</a:t>
-            </a:r>
-            <a:r>
-              <a:rPr lang="zh-CN" altLang="en-US" dirty="0" smtClean="0"/>
-              <a:t>以及</a:t>
-            </a:r>
-            <a:r>
-              <a:rPr lang="en-US" altLang="zh-CN" dirty="0" smtClean="0"/>
-              <a:t>[3]</a:t>
-            </a:r>
-            <a:r>
-              <a:rPr lang="zh-CN" altLang="en-US" dirty="0" smtClean="0"/>
-              <a:t>。 </a:t>
-            </a:r>
-          </a:p>
-          <a:p>
-            <a:r>
-              <a:rPr lang="zh-CN" altLang="en-US" dirty="0" smtClean="0"/>
-              <a:t> </a:t>
-            </a:r>
-          </a:p>
-          <a:p>
-            <a:r>
-              <a:rPr lang="en-US" altLang="zh-CN" dirty="0" smtClean="0"/>
-              <a:t>3</a:t>
-            </a:r>
-            <a:r>
-              <a:rPr lang="zh-CN" altLang="en-US" dirty="0" smtClean="0"/>
-              <a:t>、音频特征生成 在上一步，我们得到了每一帧对应的一个 </a:t>
-            </a:r>
-            <a:r>
-              <a:rPr lang="en-US" altLang="zh-CN" dirty="0" smtClean="0"/>
-              <a:t>24 </a:t>
-            </a:r>
-            <a:r>
-              <a:rPr lang="zh-CN" altLang="en-US" dirty="0" smtClean="0"/>
-              <a:t>维特征向量。而一段音频可能有成百上千 帧，我们需要对其进行聚类，得到音频级别的特征。具体做法是： </a:t>
-            </a:r>
-          </a:p>
-          <a:p>
-            <a:r>
-              <a:rPr lang="en-US" altLang="zh-CN" dirty="0" smtClean="0"/>
-              <a:t>1</a:t>
-            </a:r>
-            <a:r>
-              <a:rPr lang="zh-CN" altLang="en-US" dirty="0" smtClean="0"/>
-              <a:t>）将一段音频的所有采样帧聚集在一起，在每一维度上求均值，得到一个质心。 </a:t>
-            </a:r>
-            <a:r>
-              <a:rPr lang="en-US" altLang="zh-CN" dirty="0" smtClean="0"/>
-              <a:t>2</a:t>
-            </a:r>
-            <a:r>
-              <a:rPr lang="zh-CN" altLang="en-US" dirty="0" smtClean="0"/>
-              <a:t>）对质心进行 </a:t>
-            </a:r>
-            <a:r>
-              <a:rPr lang="en-US" altLang="zh-CN" dirty="0" smtClean="0"/>
-              <a:t>2 </a:t>
-            </a:r>
-            <a:r>
-              <a:rPr lang="zh-CN" altLang="en-US" dirty="0" smtClean="0"/>
-              <a:t>分裂：每一维度乘以 </a:t>
-            </a:r>
-            <a:r>
-              <a:rPr lang="en-US" altLang="zh-CN" dirty="0" smtClean="0"/>
-              <a:t>1+e</a:t>
-            </a:r>
-            <a:r>
-              <a:rPr lang="zh-CN" altLang="en-US" dirty="0" smtClean="0"/>
-              <a:t>、</a:t>
-            </a:r>
-            <a:r>
-              <a:rPr lang="en-US" altLang="zh-CN" dirty="0" smtClean="0"/>
-              <a:t>1-e</a:t>
-            </a:r>
-            <a:r>
-              <a:rPr lang="zh-CN" altLang="en-US" dirty="0" smtClean="0"/>
-              <a:t>，得到两个质心 </a:t>
-            </a:r>
-            <a:r>
-              <a:rPr lang="en-US" altLang="zh-CN" dirty="0" smtClean="0"/>
-              <a:t>3</a:t>
-            </a:r>
-            <a:r>
-              <a:rPr lang="zh-CN" altLang="en-US" dirty="0" smtClean="0"/>
-              <a:t>）重新计算各点到质心的距离，调整质心 </a:t>
-            </a:r>
-            <a:r>
-              <a:rPr lang="en-US" altLang="zh-CN" dirty="0" smtClean="0"/>
-              <a:t>4</a:t>
-            </a:r>
-            <a:r>
-              <a:rPr lang="zh-CN" altLang="en-US" dirty="0" smtClean="0"/>
-              <a:t>）持续分裂直至质心数量达到 </a:t>
-            </a:r>
-            <a:r>
-              <a:rPr lang="en-US" altLang="zh-CN" dirty="0" smtClean="0"/>
-              <a:t>64</a:t>
-            </a:r>
-            <a:r>
-              <a:rPr lang="zh-CN" altLang="en-US" dirty="0" smtClean="0"/>
-              <a:t>（在音频转文本部分，我们选择质心数为 </a:t>
-            </a:r>
-            <a:r>
-              <a:rPr lang="en-US" altLang="zh-CN" dirty="0" smtClean="0"/>
-              <a:t>16</a:t>
-            </a:r>
-            <a:r>
-              <a:rPr lang="zh-CN" altLang="en-US" dirty="0" smtClean="0"/>
-              <a:t>） </a:t>
-            </a:r>
-          </a:p>
-          <a:p>
-            <a:r>
-              <a:rPr lang="zh-CN" altLang="en-US" dirty="0" smtClean="0"/>
-              <a:t> </a:t>
-            </a:r>
-          </a:p>
-          <a:p>
-            <a:r>
-              <a:rPr lang="en-US" altLang="zh-CN" dirty="0" smtClean="0"/>
-              <a:t>4</a:t>
-            </a:r>
-            <a:r>
-              <a:rPr lang="zh-CN" altLang="en-US" dirty="0" smtClean="0"/>
-              <a:t>、音频识别与匹配   在训练部分，我们对每个讲话人提取了属于各人的特征。在匹配时，我们首先对输入音 频进行分段，对每一段，同样提取特征，并根据该特征到讲话人特征的欧式距离远近，取距 离最近的人作为该段话的分类结果。 在音频转文本实验中，我们也采取了类似的办法。在训练时，我们首先在 </a:t>
-            </a:r>
-            <a:r>
-              <a:rPr lang="en-US" altLang="zh-CN" dirty="0" smtClean="0"/>
-              <a:t>500 </a:t>
-            </a:r>
-            <a:r>
-              <a:rPr lang="zh-CN" altLang="en-US" dirty="0" smtClean="0"/>
-              <a:t>个单词或 短语的语料库上进行特征学习。在匹配时，我们对输入音频进行更细粒度的分段，使分段结 果为单词或者短语。接着，我们对这些单词和短语在语料库中寻找距离最近的训练单词，根 据此进行单词识别。 我们再将对单词和讲话人进行一次匹配，便得到了最终的文本结果。 </a:t>
-            </a:r>
-          </a:p>
-          <a:p>
-            <a:r>
-              <a:rPr lang="zh-CN" altLang="en-US" dirty="0" smtClean="0"/>
-              <a:t> </a:t>
-            </a:r>
             <a:endParaRPr lang="zh-CN" altLang="en-US" dirty="0"/>
           </a:p>
         </p:txBody>
@@ -9160,13 +8248,7 @@
               <a:rPr lang="en-US" altLang="zh-CN" dirty="0" smtClean="0">
                 <a:hlinkClick r:id="rId2"/>
               </a:rPr>
-              <a:t>speech-to-text-demo.mybluemix.net</a:t>
-            </a:r>
-            <a:r>
-              <a:rPr lang="en-US" altLang="zh-CN" dirty="0" smtClean="0">
-                <a:hlinkClick r:id="rId2"/>
-              </a:rPr>
-              <a:t>/</a:t>
+              <a:t>speech-to-text-demo.mybluemix.net/</a:t>
             </a:r>
             <a:endParaRPr lang="en-US" altLang="zh-CN" dirty="0" smtClean="0"/>
           </a:p>
